--- a/Desktop Publishing & Presentation Graphics Applications/Microsoft PowerPoint-Comprehensive/Getting Started with Microsoft PowerPoint/KWT Overview.pptx
+++ b/Desktop Publishing & Presentation Graphics Applications/Microsoft PowerPoint-Comprehensive/Getting Started with Microsoft PowerPoint/KWT Overview.pptx
@@ -117,7 +117,7 @@
 <file path=ppt/revisionInfo.xml><?xml version="1.0" encoding="utf-8"?>
 <p1510:revInfo xmlns:a="http://schemas.openxmlformats.org/drawingml/2006/main" xmlns:r="http://schemas.openxmlformats.org/officeDocument/2006/relationships" xmlns:p1510="http://schemas.microsoft.com/office/powerpoint/2015/10/main">
   <p1510:revLst>
-    <p1510:client id="{83432025-4050-4F70-A8AE-82E53AC0B352}" v="11" dt="2019-09-23T01:12:09.291"/>
+    <p1510:client id="{F0FD2819-33DD-4F8E-8D60-B9A81A41195F}" v="11" dt="2019-12-01T19:48:15.189"/>
   </p1510:revLst>
 </p1510:revInfo>
 </file>
@@ -125,156 +125,140 @@
 <file path=ppt/changesInfos/changesInfo1.xml><?xml version="1.0" encoding="utf-8"?>
 <pc:chgInfo xmlns:a="http://schemas.openxmlformats.org/drawingml/2006/main" xmlns:r="http://schemas.openxmlformats.org/officeDocument/2006/relationships" xmlns:ac="http://schemas.microsoft.com/office/drawing/2013/main/command" xmlns:pc="http://schemas.microsoft.com/office/powerpoint/2013/main/command">
   <pc:docChgLst>
-    <pc:chgData name="SOUMYA VAJJHALA" userId="f3e3711e514002e0" providerId="LiveId" clId="{83432025-4050-4F70-A8AE-82E53AC0B352}"/>
-    <pc:docChg chg="undo custSel addSld modSld">
-      <pc:chgData name="SOUMYA VAJJHALA" userId="f3e3711e514002e0" providerId="LiveId" clId="{83432025-4050-4F70-A8AE-82E53AC0B352}" dt="2019-09-23T01:10:20" v="777" actId="1440"/>
+    <pc:chgData name="SOUMYA VAJJHALA" userId="f3e3711e514002e0" providerId="LiveId" clId="{F0FD2819-33DD-4F8E-8D60-B9A81A41195F}"/>
+    <pc:docChg chg="custSel addSld modSld">
+      <pc:chgData name="SOUMYA VAJJHALA" userId="f3e3711e514002e0" providerId="LiveId" clId="{F0FD2819-33DD-4F8E-8D60-B9A81A41195F}" dt="2019-12-01T19:46:42.573" v="499" actId="1440"/>
       <pc:docMkLst>
         <pc:docMk/>
       </pc:docMkLst>
       <pc:sldChg chg="modSp">
-        <pc:chgData name="SOUMYA VAJJHALA" userId="f3e3711e514002e0" providerId="LiveId" clId="{83432025-4050-4F70-A8AE-82E53AC0B352}" dt="2019-09-23T01:07:56.055" v="748" actId="20577"/>
+        <pc:chgData name="SOUMYA VAJJHALA" userId="f3e3711e514002e0" providerId="LiveId" clId="{F0FD2819-33DD-4F8E-8D60-B9A81A41195F}" dt="2019-12-01T19:44:38.227" v="476" actId="20577"/>
         <pc:sldMkLst>
           <pc:docMk/>
-          <pc:sldMk cId="3330891357" sldId="256"/>
+          <pc:sldMk cId="4102434265" sldId="256"/>
         </pc:sldMkLst>
         <pc:spChg chg="mod">
-          <ac:chgData name="SOUMYA VAJJHALA" userId="f3e3711e514002e0" providerId="LiveId" clId="{83432025-4050-4F70-A8AE-82E53AC0B352}" dt="2019-09-23T01:07:56.055" v="748" actId="20577"/>
+          <ac:chgData name="SOUMYA VAJJHALA" userId="f3e3711e514002e0" providerId="LiveId" clId="{F0FD2819-33DD-4F8E-8D60-B9A81A41195F}" dt="2019-12-01T19:44:38.227" v="476" actId="20577"/>
           <ac:spMkLst>
             <pc:docMk/>
-            <pc:sldMk cId="3330891357" sldId="256"/>
-            <ac:spMk id="2" creationId="{2134DAC5-C18A-4CCA-B034-782E4B2EB0BD}"/>
+            <pc:sldMk cId="4102434265" sldId="256"/>
+            <ac:spMk id="2" creationId="{0BA92CE0-F834-4C05-97E4-CAAD7F34856C}"/>
           </ac:spMkLst>
         </pc:spChg>
       </pc:sldChg>
       <pc:sldChg chg="addSp delSp modSp add">
-        <pc:chgData name="SOUMYA VAJJHALA" userId="f3e3711e514002e0" providerId="LiveId" clId="{83432025-4050-4F70-A8AE-82E53AC0B352}" dt="2019-09-23T01:08:31.674" v="751" actId="962"/>
+        <pc:chgData name="SOUMYA VAJJHALA" userId="f3e3711e514002e0" providerId="LiveId" clId="{F0FD2819-33DD-4F8E-8D60-B9A81A41195F}" dt="2019-12-01T19:45:10.843" v="479" actId="962"/>
         <pc:sldMkLst>
           <pc:docMk/>
-          <pc:sldMk cId="892713089" sldId="257"/>
+          <pc:sldMk cId="3533783178" sldId="257"/>
         </pc:sldMkLst>
         <pc:spChg chg="mod">
-          <ac:chgData name="SOUMYA VAJJHALA" userId="f3e3711e514002e0" providerId="LiveId" clId="{83432025-4050-4F70-A8AE-82E53AC0B352}" dt="2019-09-23T01:01:21.169" v="11" actId="20577"/>
+          <ac:chgData name="SOUMYA VAJJHALA" userId="f3e3711e514002e0" providerId="LiveId" clId="{F0FD2819-33DD-4F8E-8D60-B9A81A41195F}" dt="2019-12-01T19:40:06.554" v="11" actId="20577"/>
           <ac:spMkLst>
             <pc:docMk/>
-            <pc:sldMk cId="892713089" sldId="257"/>
-            <ac:spMk id="2" creationId="{085288BB-DAD2-4C2A-93ED-D854A4382176}"/>
+            <pc:sldMk cId="3533783178" sldId="257"/>
+            <ac:spMk id="2" creationId="{4D3DE297-BF5D-408B-925C-6FAA38082C0A}"/>
           </ac:spMkLst>
         </pc:spChg>
         <pc:spChg chg="del">
-          <ac:chgData name="SOUMYA VAJJHALA" userId="f3e3711e514002e0" providerId="LiveId" clId="{83432025-4050-4F70-A8AE-82E53AC0B352}" dt="2019-09-23T01:08:29.752" v="749" actId="931"/>
+          <ac:chgData name="SOUMYA VAJJHALA" userId="f3e3711e514002e0" providerId="LiveId" clId="{F0FD2819-33DD-4F8E-8D60-B9A81A41195F}" dt="2019-12-01T19:45:08.796" v="477" actId="931"/>
           <ac:spMkLst>
             <pc:docMk/>
-            <pc:sldMk cId="892713089" sldId="257"/>
-            <ac:spMk id="3" creationId="{D4446E63-515E-4EE0-A1E1-5DCF45E3CDFD}"/>
+            <pc:sldMk cId="3533783178" sldId="257"/>
+            <ac:spMk id="3" creationId="{FC206848-531D-4345-A99C-E432DB9A8CD0}"/>
           </ac:spMkLst>
         </pc:spChg>
         <pc:spChg chg="mod">
-          <ac:chgData name="SOUMYA VAJJHALA" userId="f3e3711e514002e0" providerId="LiveId" clId="{83432025-4050-4F70-A8AE-82E53AC0B352}" dt="2019-09-23T01:06:09.198" v="496" actId="20577"/>
+          <ac:chgData name="SOUMYA VAJJHALA" userId="f3e3711e514002e0" providerId="LiveId" clId="{F0FD2819-33DD-4F8E-8D60-B9A81A41195F}" dt="2019-12-01T19:43:47.670" v="445" actId="20577"/>
           <ac:spMkLst>
             <pc:docMk/>
-            <pc:sldMk cId="892713089" sldId="257"/>
-            <ac:spMk id="4" creationId="{BB1DA28F-629E-40CF-924D-946287B38723}"/>
+            <pc:sldMk cId="3533783178" sldId="257"/>
+            <ac:spMk id="4" creationId="{86C9FD16-C7B0-401B-8E5F-A74B48389036}"/>
           </ac:spMkLst>
         </pc:spChg>
         <pc:picChg chg="add mod">
-          <ac:chgData name="SOUMYA VAJJHALA" userId="f3e3711e514002e0" providerId="LiveId" clId="{83432025-4050-4F70-A8AE-82E53AC0B352}" dt="2019-09-23T01:08:31.674" v="751" actId="962"/>
+          <ac:chgData name="SOUMYA VAJJHALA" userId="f3e3711e514002e0" providerId="LiveId" clId="{F0FD2819-33DD-4F8E-8D60-B9A81A41195F}" dt="2019-12-01T19:45:10.843" v="479" actId="962"/>
           <ac:picMkLst>
             <pc:docMk/>
-            <pc:sldMk cId="892713089" sldId="257"/>
-            <ac:picMk id="6" creationId="{1FBB1229-8995-44B3-8CCC-FA96461EF498}"/>
+            <pc:sldMk cId="3533783178" sldId="257"/>
+            <ac:picMk id="6" creationId="{A4AAECEE-AB32-47CB-92C5-231A98CF6092}"/>
           </ac:picMkLst>
         </pc:picChg>
       </pc:sldChg>
       <pc:sldChg chg="modSp add modNotesTx">
-        <pc:chgData name="SOUMYA VAJJHALA" userId="f3e3711e514002e0" providerId="LiveId" clId="{83432025-4050-4F70-A8AE-82E53AC0B352}" dt="2019-09-23T01:04:24.207" v="444" actId="20577"/>
+        <pc:chgData name="SOUMYA VAJJHALA" userId="f3e3711e514002e0" providerId="LiveId" clId="{F0FD2819-33DD-4F8E-8D60-B9A81A41195F}" dt="2019-12-01T19:43:12.767" v="395" actId="20577"/>
         <pc:sldMkLst>
           <pc:docMk/>
-          <pc:sldMk cId="3650230884" sldId="258"/>
+          <pc:sldMk cId="2155011742" sldId="258"/>
         </pc:sldMkLst>
         <pc:spChg chg="mod">
-          <ac:chgData name="SOUMYA VAJJHALA" userId="f3e3711e514002e0" providerId="LiveId" clId="{83432025-4050-4F70-A8AE-82E53AC0B352}" dt="2019-09-23T01:02:59.934" v="192" actId="20577"/>
+          <ac:chgData name="SOUMYA VAJJHALA" userId="f3e3711e514002e0" providerId="LiveId" clId="{F0FD2819-33DD-4F8E-8D60-B9A81A41195F}" dt="2019-12-01T19:40:49.895" v="183" actId="20577"/>
           <ac:spMkLst>
             <pc:docMk/>
-            <pc:sldMk cId="3650230884" sldId="258"/>
-            <ac:spMk id="2" creationId="{559B5587-26C7-4BD4-AAD8-1C015CEF90BB}"/>
+            <pc:sldMk cId="2155011742" sldId="258"/>
+            <ac:spMk id="2" creationId="{3310CFB4-F5BD-45CC-9A33-F0F108F7DBDC}"/>
           </ac:spMkLst>
         </pc:spChg>
         <pc:spChg chg="mod">
-          <ac:chgData name="SOUMYA VAJJHALA" userId="f3e3711e514002e0" providerId="LiveId" clId="{83432025-4050-4F70-A8AE-82E53AC0B352}" dt="2019-09-23T01:03:53.214" v="373" actId="20577"/>
+          <ac:chgData name="SOUMYA VAJJHALA" userId="f3e3711e514002e0" providerId="LiveId" clId="{F0FD2819-33DD-4F8E-8D60-B9A81A41195F}" dt="2019-12-01T19:42:18.735" v="391" actId="20577"/>
           <ac:spMkLst>
             <pc:docMk/>
-            <pc:sldMk cId="3650230884" sldId="258"/>
-            <ac:spMk id="3" creationId="{8CF37DA9-CDDA-426A-9751-C432205E8A36}"/>
+            <pc:sldMk cId="2155011742" sldId="258"/>
+            <ac:spMk id="3" creationId="{8815A6F4-C528-4B6F-A6EA-474AD052A214}"/>
           </ac:spMkLst>
         </pc:spChg>
       </pc:sldChg>
       <pc:sldChg chg="modSp add">
-        <pc:chgData name="SOUMYA VAJJHALA" userId="f3e3711e514002e0" providerId="LiveId" clId="{83432025-4050-4F70-A8AE-82E53AC0B352}" dt="2019-09-23T01:07:32.479" v="741" actId="20577"/>
+        <pc:chgData name="SOUMYA VAJJHALA" userId="f3e3711e514002e0" providerId="LiveId" clId="{F0FD2819-33DD-4F8E-8D60-B9A81A41195F}" dt="2019-12-01T19:44:23.538" v="469" actId="27636"/>
         <pc:sldMkLst>
           <pc:docMk/>
-          <pc:sldMk cId="762842222" sldId="259"/>
+          <pc:sldMk cId="1169407685" sldId="259"/>
         </pc:sldMkLst>
         <pc:spChg chg="mod">
-          <ac:chgData name="SOUMYA VAJJHALA" userId="f3e3711e514002e0" providerId="LiveId" clId="{83432025-4050-4F70-A8AE-82E53AC0B352}" dt="2019-09-23T01:06:33.863" v="514" actId="20577"/>
+          <ac:chgData name="SOUMYA VAJJHALA" userId="f3e3711e514002e0" providerId="LiveId" clId="{F0FD2819-33DD-4F8E-8D60-B9A81A41195F}" dt="2019-12-01T19:44:11.543" v="463" actId="20577"/>
           <ac:spMkLst>
             <pc:docMk/>
-            <pc:sldMk cId="762842222" sldId="259"/>
-            <ac:spMk id="2" creationId="{CDA9371C-8840-4CE6-91AA-22876A1A0FA6}"/>
+            <pc:sldMk cId="1169407685" sldId="259"/>
+            <ac:spMk id="2" creationId="{DBB60271-7C91-480F-8B22-061FED556F61}"/>
           </ac:spMkLst>
         </pc:spChg>
         <pc:spChg chg="mod">
-          <ac:chgData name="SOUMYA VAJJHALA" userId="f3e3711e514002e0" providerId="LiveId" clId="{83432025-4050-4F70-A8AE-82E53AC0B352}" dt="2019-09-23T01:07:32.479" v="741" actId="20577"/>
+          <ac:chgData name="SOUMYA VAJJHALA" userId="f3e3711e514002e0" providerId="LiveId" clId="{F0FD2819-33DD-4F8E-8D60-B9A81A41195F}" dt="2019-12-01T19:44:23.538" v="469" actId="27636"/>
           <ac:spMkLst>
             <pc:docMk/>
-            <pc:sldMk cId="762842222" sldId="259"/>
-            <ac:spMk id="3" creationId="{1F4A6825-7838-489E-8290-3E3F916D33DC}"/>
+            <pc:sldMk cId="1169407685" sldId="259"/>
+            <ac:spMk id="3" creationId="{B401AFD2-5DFA-49CF-9F32-5CE5E1AE6CD7}"/>
           </ac:spMkLst>
         </pc:spChg>
       </pc:sldChg>
       <pc:sldChg chg="addSp delSp modSp add">
-        <pc:chgData name="SOUMYA VAJJHALA" userId="f3e3711e514002e0" providerId="LiveId" clId="{83432025-4050-4F70-A8AE-82E53AC0B352}" dt="2019-09-23T01:10:20" v="777" actId="1440"/>
+        <pc:chgData name="SOUMYA VAJJHALA" userId="f3e3711e514002e0" providerId="LiveId" clId="{F0FD2819-33DD-4F8E-8D60-B9A81A41195F}" dt="2019-12-01T19:46:42.573" v="499" actId="1440"/>
         <pc:sldMkLst>
           <pc:docMk/>
-          <pc:sldMk cId="2029002873" sldId="260"/>
+          <pc:sldMk cId="475204983" sldId="260"/>
         </pc:sldMkLst>
         <pc:spChg chg="mod">
-          <ac:chgData name="SOUMYA VAJJHALA" userId="f3e3711e514002e0" providerId="LiveId" clId="{83432025-4050-4F70-A8AE-82E53AC0B352}" dt="2019-09-23T01:09:08.372" v="765" actId="20577"/>
+          <ac:chgData name="SOUMYA VAJJHALA" userId="f3e3711e514002e0" providerId="LiveId" clId="{F0FD2819-33DD-4F8E-8D60-B9A81A41195F}" dt="2019-12-01T19:45:49.761" v="493" actId="20577"/>
           <ac:spMkLst>
             <pc:docMk/>
-            <pc:sldMk cId="2029002873" sldId="260"/>
-            <ac:spMk id="2" creationId="{3440EAD5-934F-4A7C-8865-CAD2FCACE62A}"/>
+            <pc:sldMk cId="475204983" sldId="260"/>
+            <ac:spMk id="2" creationId="{B088587C-F712-4C34-B3BD-1696B3FEEBB4}"/>
           </ac:spMkLst>
         </pc:spChg>
         <pc:spChg chg="del">
-          <ac:chgData name="SOUMYA VAJJHALA" userId="f3e3711e514002e0" providerId="LiveId" clId="{83432025-4050-4F70-A8AE-82E53AC0B352}" dt="2019-09-23T01:09:15.536" v="766" actId="931"/>
+          <ac:chgData name="SOUMYA VAJJHALA" userId="f3e3711e514002e0" providerId="LiveId" clId="{F0FD2819-33DD-4F8E-8D60-B9A81A41195F}" dt="2019-12-01T19:45:56.752" v="494" actId="931"/>
           <ac:spMkLst>
             <pc:docMk/>
-            <pc:sldMk cId="2029002873" sldId="260"/>
-            <ac:spMk id="3" creationId="{D381DDF1-EA46-4EB8-96DF-F34D6A175196}"/>
+            <pc:sldMk cId="475204983" sldId="260"/>
+            <ac:spMk id="3" creationId="{DA9D0B4A-D436-4326-9370-5309E57FB5B7}"/>
           </ac:spMkLst>
         </pc:spChg>
-        <pc:spChg chg="add del mod">
-          <ac:chgData name="SOUMYA VAJJHALA" userId="f3e3711e514002e0" providerId="LiveId" clId="{83432025-4050-4F70-A8AE-82E53AC0B352}" dt="2019-09-23T01:09:53.593" v="774" actId="931"/>
-          <ac:spMkLst>
-            <pc:docMk/>
-            <pc:sldMk cId="2029002873" sldId="260"/>
-            <ac:spMk id="7" creationId="{CA9C4CBB-78B4-45EC-B792-C2AD7308FBBE}"/>
-          </ac:spMkLst>
-        </pc:spChg>
-        <pc:picChg chg="add del mod">
-          <ac:chgData name="SOUMYA VAJJHALA" userId="f3e3711e514002e0" providerId="LiveId" clId="{83432025-4050-4F70-A8AE-82E53AC0B352}" dt="2019-09-23T01:09:50.348" v="773" actId="478"/>
+        <pc:picChg chg="add mod">
+          <ac:chgData name="SOUMYA VAJJHALA" userId="f3e3711e514002e0" providerId="LiveId" clId="{F0FD2819-33DD-4F8E-8D60-B9A81A41195F}" dt="2019-12-01T19:46:42.573" v="499" actId="1440"/>
           <ac:picMkLst>
             <pc:docMk/>
-            <pc:sldMk cId="2029002873" sldId="260"/>
-            <ac:picMk id="5" creationId="{FEE24C15-0AE9-46B2-8326-F7485D0B5E44}"/>
-          </ac:picMkLst>
-        </pc:picChg>
-        <pc:picChg chg="add mod">
-          <ac:chgData name="SOUMYA VAJJHALA" userId="f3e3711e514002e0" providerId="LiveId" clId="{83432025-4050-4F70-A8AE-82E53AC0B352}" dt="2019-09-23T01:10:20" v="777" actId="1440"/>
-          <ac:picMkLst>
-            <pc:docMk/>
-            <pc:sldMk cId="2029002873" sldId="260"/>
-            <ac:picMk id="9" creationId="{983025A1-0B14-41A5-BD4E-5E0A63DD99F2}"/>
+            <pc:sldMk cId="475204983" sldId="260"/>
+            <ac:picMk id="5" creationId="{274528E2-AD4E-45DF-91C1-7EDB2B3C60ED}"/>
           </ac:picMkLst>
         </pc:picChg>
       </pc:sldChg>
@@ -363,9 +347,9 @@
             </a:lvl1pPr>
           </a:lstStyle>
           <a:p>
-            <a:fld id="{E62BFB71-1EFC-4A41-B982-0EBD9A6DB0F2}" type="datetimeFigureOut">
+            <a:fld id="{CDE7B67A-2EE9-418F-AC85-AA29A686B579}" type="datetimeFigureOut">
               <a:rPr lang="en-US" smtClean="0"/>
-              <a:t>9/22/2019</a:t>
+              <a:t>12/1/2019</a:t>
             </a:fld>
             <a:endParaRPr lang="en-US"/>
           </a:p>
@@ -521,7 +505,7 @@
             </a:lvl1pPr>
           </a:lstStyle>
           <a:p>
-            <a:fld id="{CFC3FACD-C618-46E7-8239-6DA66220090F}" type="slidenum">
+            <a:fld id="{DA76B19E-F223-4DFD-9E89-59556A114193}" type="slidenum">
               <a:rPr lang="en-US" smtClean="0"/>
               <a:t>‹#›</a:t>
             </a:fld>
@@ -532,7 +516,7 @@
     </p:spTree>
     <p:extLst>
       <p:ext uri="{BB962C8B-B14F-4D97-AF65-F5344CB8AC3E}">
-        <p14:creationId xmlns:p14="http://schemas.microsoft.com/office/powerpoint/2010/main" val="3227100592"/>
+        <p14:creationId xmlns:p14="http://schemas.microsoft.com/office/powerpoint/2010/main" val="3371457515"/>
       </p:ext>
     </p:extLst>
   </p:cSld>
@@ -678,7 +662,7 @@
           <a:p>
             <a:r>
               <a:rPr lang="en-US" dirty="0"/>
-              <a:t>Kodiak West Travel has locations in Juneau, Anchorage, and Victoria</a:t>
+              <a:t>Kodiak West Travel has locations in Juneau, Anchorage, and Victoria.</a:t>
             </a:r>
           </a:p>
         </p:txBody>
@@ -698,7 +682,7 @@
           <a:bodyPr/>
           <a:lstStyle/>
           <a:p>
-            <a:fld id="{CFC3FACD-C618-46E7-8239-6DA66220090F}" type="slidenum">
+            <a:fld id="{DA76B19E-F223-4DFD-9E89-59556A114193}" type="slidenum">
               <a:rPr lang="en-US" smtClean="0"/>
               <a:t>3</a:t>
             </a:fld>
@@ -709,7 +693,7 @@
     </p:spTree>
     <p:extLst>
       <p:ext uri="{BB962C8B-B14F-4D97-AF65-F5344CB8AC3E}">
-        <p14:creationId xmlns:p14="http://schemas.microsoft.com/office/powerpoint/2010/main" val="1904634044"/>
+        <p14:creationId xmlns:p14="http://schemas.microsoft.com/office/powerpoint/2010/main" val="68983079"/>
       </p:ext>
     </p:extLst>
   </p:cSld>
@@ -1048,9 +1032,9 @@
           <a:bodyPr/>
           <a:lstStyle/>
           <a:p>
-            <a:fld id="{4B443AF3-F9DC-441D-9314-18D041A37615}" type="datetime1">
+            <a:fld id="{4422710F-C85D-486F-A879-A40D521F6642}" type="datetime1">
               <a:rPr lang="en-US" smtClean="0"/>
-              <a:t>9/22/2019</a:t>
+              <a:t>12/1/2019</a:t>
             </a:fld>
             <a:endParaRPr lang="en-US"/>
           </a:p>
@@ -1103,7 +1087,7 @@
           <a:bodyPr/>
           <a:lstStyle/>
           <a:p>
-            <a:fld id="{78726174-7CEF-4FA0-AEF8-B5E48A354D54}" type="slidenum">
+            <a:fld id="{A72AAF77-8BC3-49D1-862E-3391222F8638}" type="slidenum">
               <a:rPr lang="en-US" smtClean="0"/>
               <a:t>‹#›</a:t>
             </a:fld>
@@ -1144,7 +1128,7 @@
     </p:spTree>
     <p:extLst>
       <p:ext uri="{BB962C8B-B14F-4D97-AF65-F5344CB8AC3E}">
-        <p14:creationId xmlns:p14="http://schemas.microsoft.com/office/powerpoint/2010/main" val="552087873"/>
+        <p14:creationId xmlns:p14="http://schemas.microsoft.com/office/powerpoint/2010/main" val="1369476902"/>
       </p:ext>
     </p:extLst>
   </p:cSld>
@@ -1375,9 +1359,9 @@
           <a:bodyPr/>
           <a:lstStyle/>
           <a:p>
-            <a:fld id="{0C1E770C-A64B-47BE-A232-D5B52FE5E0A1}" type="datetime1">
+            <a:fld id="{6484F2EA-127D-42FA-8B4A-8C9BDEDF6221}" type="datetime1">
               <a:rPr lang="en-US" smtClean="0"/>
-              <a:t>9/22/2019</a:t>
+              <a:t>12/1/2019</a:t>
             </a:fld>
             <a:endParaRPr lang="en-US"/>
           </a:p>
@@ -1420,7 +1404,7 @@
           <a:bodyPr/>
           <a:lstStyle/>
           <a:p>
-            <a:fld id="{78726174-7CEF-4FA0-AEF8-B5E48A354D54}" type="slidenum">
+            <a:fld id="{A72AAF77-8BC3-49D1-862E-3391222F8638}" type="slidenum">
               <a:rPr lang="en-US" smtClean="0"/>
               <a:t>‹#›</a:t>
             </a:fld>
@@ -1431,7 +1415,7 @@
     </p:spTree>
     <p:extLst>
       <p:ext uri="{BB962C8B-B14F-4D97-AF65-F5344CB8AC3E}">
-        <p14:creationId xmlns:p14="http://schemas.microsoft.com/office/powerpoint/2010/main" val="2714325869"/>
+        <p14:creationId xmlns:p14="http://schemas.microsoft.com/office/powerpoint/2010/main" val="2472412676"/>
       </p:ext>
     </p:extLst>
   </p:cSld>
@@ -1626,9 +1610,9 @@
           <a:bodyPr/>
           <a:lstStyle/>
           <a:p>
-            <a:fld id="{BBB168AD-A321-4340-B154-6C89AD7E719E}" type="datetime1">
+            <a:fld id="{A3CE7377-FBFB-4737-9594-44A6CA475221}" type="datetime1">
               <a:rPr lang="en-US" smtClean="0"/>
-              <a:t>9/22/2019</a:t>
+              <a:t>12/1/2019</a:t>
             </a:fld>
             <a:endParaRPr lang="en-US"/>
           </a:p>
@@ -1671,7 +1655,7 @@
           <a:bodyPr/>
           <a:lstStyle/>
           <a:p>
-            <a:fld id="{78726174-7CEF-4FA0-AEF8-B5E48A354D54}" type="slidenum">
+            <a:fld id="{A72AAF77-8BC3-49D1-862E-3391222F8638}" type="slidenum">
               <a:rPr lang="en-US" smtClean="0"/>
               <a:t>‹#›</a:t>
             </a:fld>
@@ -1713,7 +1697,7 @@
     </p:spTree>
     <p:extLst>
       <p:ext uri="{BB962C8B-B14F-4D97-AF65-F5344CB8AC3E}">
-        <p14:creationId xmlns:p14="http://schemas.microsoft.com/office/powerpoint/2010/main" val="4182626644"/>
+        <p14:creationId xmlns:p14="http://schemas.microsoft.com/office/powerpoint/2010/main" val="204383004"/>
       </p:ext>
     </p:extLst>
   </p:cSld>
@@ -1968,9 +1952,9 @@
           <a:bodyPr/>
           <a:lstStyle/>
           <a:p>
-            <a:fld id="{8856C47A-E5E9-4970-8B8D-B71DA646943A}" type="datetime1">
+            <a:fld id="{59DEB4EF-8EAE-4CC2-9E6A-CACE5E5A19D5}" type="datetime1">
               <a:rPr lang="en-US" smtClean="0"/>
-              <a:t>9/22/2019</a:t>
+              <a:t>12/1/2019</a:t>
             </a:fld>
             <a:endParaRPr lang="en-US"/>
           </a:p>
@@ -2013,7 +1997,7 @@
           <a:bodyPr/>
           <a:lstStyle/>
           <a:p>
-            <a:fld id="{78726174-7CEF-4FA0-AEF8-B5E48A354D54}" type="slidenum">
+            <a:fld id="{A72AAF77-8BC3-49D1-862E-3391222F8638}" type="slidenum">
               <a:rPr lang="en-US" smtClean="0"/>
               <a:t>‹#›</a:t>
             </a:fld>
@@ -2123,7 +2107,7 @@
     </p:spTree>
     <p:extLst>
       <p:ext uri="{BB962C8B-B14F-4D97-AF65-F5344CB8AC3E}">
-        <p14:creationId xmlns:p14="http://schemas.microsoft.com/office/powerpoint/2010/main" val="523593012"/>
+        <p14:creationId xmlns:p14="http://schemas.microsoft.com/office/powerpoint/2010/main" val="3884460984"/>
       </p:ext>
     </p:extLst>
   </p:cSld>
@@ -2318,9 +2302,9 @@
           <a:bodyPr/>
           <a:lstStyle/>
           <a:p>
-            <a:fld id="{010F1DF1-172F-4450-8EEC-B2682EF7D096}" type="datetime1">
+            <a:fld id="{198C2DE6-802B-4F74-B884-D4D5536893CE}" type="datetime1">
               <a:rPr lang="en-US" smtClean="0"/>
-              <a:t>9/22/2019</a:t>
+              <a:t>12/1/2019</a:t>
             </a:fld>
             <a:endParaRPr lang="en-US"/>
           </a:p>
@@ -2363,7 +2347,7 @@
           <a:bodyPr/>
           <a:lstStyle/>
           <a:p>
-            <a:fld id="{78726174-7CEF-4FA0-AEF8-B5E48A354D54}" type="slidenum">
+            <a:fld id="{A72AAF77-8BC3-49D1-862E-3391222F8638}" type="slidenum">
               <a:rPr lang="en-US" smtClean="0"/>
               <a:t>‹#›</a:t>
             </a:fld>
@@ -2374,7 +2358,7 @@
     </p:spTree>
     <p:extLst>
       <p:ext uri="{BB962C8B-B14F-4D97-AF65-F5344CB8AC3E}">
-        <p14:creationId xmlns:p14="http://schemas.microsoft.com/office/powerpoint/2010/main" val="2936930261"/>
+        <p14:creationId xmlns:p14="http://schemas.microsoft.com/office/powerpoint/2010/main" val="956506293"/>
       </p:ext>
     </p:extLst>
   </p:cSld>
@@ -2695,9 +2679,9 @@
           <a:bodyPr/>
           <a:lstStyle/>
           <a:p>
-            <a:fld id="{1E8E18D0-3713-4FEA-9A86-16EBA8110660}" type="datetime1">
+            <a:fld id="{78EEBD87-E8B4-4D9F-BFEC-350F1751AB0D}" type="datetime1">
               <a:rPr lang="en-US" smtClean="0"/>
-              <a:t>9/22/2019</a:t>
+              <a:t>12/1/2019</a:t>
             </a:fld>
             <a:endParaRPr lang="en-US"/>
           </a:p>
@@ -2740,7 +2724,7 @@
           <a:bodyPr/>
           <a:lstStyle/>
           <a:p>
-            <a:fld id="{78726174-7CEF-4FA0-AEF8-B5E48A354D54}" type="slidenum">
+            <a:fld id="{A72AAF77-8BC3-49D1-862E-3391222F8638}" type="slidenum">
               <a:rPr lang="en-US" smtClean="0"/>
               <a:t>‹#›</a:t>
             </a:fld>
@@ -2850,7 +2834,7 @@
     </p:spTree>
     <p:extLst>
       <p:ext uri="{BB962C8B-B14F-4D97-AF65-F5344CB8AC3E}">
-        <p14:creationId xmlns:p14="http://schemas.microsoft.com/office/powerpoint/2010/main" val="2227767276"/>
+        <p14:creationId xmlns:p14="http://schemas.microsoft.com/office/powerpoint/2010/main" val="581193609"/>
       </p:ext>
     </p:extLst>
   </p:cSld>
@@ -3168,9 +3152,9 @@
           <a:bodyPr/>
           <a:lstStyle/>
           <a:p>
-            <a:fld id="{774E41EB-DFD7-4106-B2E2-4D5A78ED5505}" type="datetime1">
+            <a:fld id="{4DB66DC8-2B56-4CAF-9F0F-7E9238700318}" type="datetime1">
               <a:rPr lang="en-US" smtClean="0"/>
-              <a:t>9/22/2019</a:t>
+              <a:t>12/1/2019</a:t>
             </a:fld>
             <a:endParaRPr lang="en-US"/>
           </a:p>
@@ -3213,7 +3197,7 @@
           <a:bodyPr/>
           <a:lstStyle/>
           <a:p>
-            <a:fld id="{78726174-7CEF-4FA0-AEF8-B5E48A354D54}" type="slidenum">
+            <a:fld id="{A72AAF77-8BC3-49D1-862E-3391222F8638}" type="slidenum">
               <a:rPr lang="en-US" smtClean="0"/>
               <a:t>‹#›</a:t>
             </a:fld>
@@ -3255,7 +3239,7 @@
     </p:spTree>
     <p:extLst>
       <p:ext uri="{BB962C8B-B14F-4D97-AF65-F5344CB8AC3E}">
-        <p14:creationId xmlns:p14="http://schemas.microsoft.com/office/powerpoint/2010/main" val="2995815333"/>
+        <p14:creationId xmlns:p14="http://schemas.microsoft.com/office/powerpoint/2010/main" val="255463035"/>
       </p:ext>
     </p:extLst>
   </p:cSld>
@@ -3376,9 +3360,9 @@
           <a:bodyPr/>
           <a:lstStyle/>
           <a:p>
-            <a:fld id="{5605A904-B475-4CB8-9899-BD02769BEC30}" type="datetime1">
+            <a:fld id="{0727ECA8-A119-4B99-82B1-B7A33AB80932}" type="datetime1">
               <a:rPr lang="en-US" smtClean="0"/>
-              <a:t>9/22/2019</a:t>
+              <a:t>12/1/2019</a:t>
             </a:fld>
             <a:endParaRPr lang="en-US"/>
           </a:p>
@@ -3421,7 +3405,7 @@
           <a:bodyPr/>
           <a:lstStyle/>
           <a:p>
-            <a:fld id="{78726174-7CEF-4FA0-AEF8-B5E48A354D54}" type="slidenum">
+            <a:fld id="{A72AAF77-8BC3-49D1-862E-3391222F8638}" type="slidenum">
               <a:rPr lang="en-US" smtClean="0"/>
               <a:t>‹#›</a:t>
             </a:fld>
@@ -3463,7 +3447,7 @@
     </p:spTree>
     <p:extLst>
       <p:ext uri="{BB962C8B-B14F-4D97-AF65-F5344CB8AC3E}">
-        <p14:creationId xmlns:p14="http://schemas.microsoft.com/office/powerpoint/2010/main" val="408842044"/>
+        <p14:creationId xmlns:p14="http://schemas.microsoft.com/office/powerpoint/2010/main" val="3226772378"/>
       </p:ext>
     </p:extLst>
   </p:cSld>
@@ -3590,9 +3574,9 @@
           <a:bodyPr/>
           <a:lstStyle/>
           <a:p>
-            <a:fld id="{E088F31C-7077-4E56-B0F8-D0EEF503D49F}" type="datetime1">
+            <a:fld id="{CC590E9D-7BDA-4BEE-B456-1E91AF177D52}" type="datetime1">
               <a:rPr lang="en-US" smtClean="0"/>
-              <a:t>9/22/2019</a:t>
+              <a:t>12/1/2019</a:t>
             </a:fld>
             <a:endParaRPr lang="en-US"/>
           </a:p>
@@ -3635,7 +3619,7 @@
           <a:bodyPr/>
           <a:lstStyle/>
           <a:p>
-            <a:fld id="{78726174-7CEF-4FA0-AEF8-B5E48A354D54}" type="slidenum">
+            <a:fld id="{A72AAF77-8BC3-49D1-862E-3391222F8638}" type="slidenum">
               <a:rPr lang="en-US" smtClean="0"/>
               <a:t>‹#›</a:t>
             </a:fld>
@@ -3677,7 +3661,7 @@
     </p:spTree>
     <p:extLst>
       <p:ext uri="{BB962C8B-B14F-4D97-AF65-F5344CB8AC3E}">
-        <p14:creationId xmlns:p14="http://schemas.microsoft.com/office/powerpoint/2010/main" val="1616518163"/>
+        <p14:creationId xmlns:p14="http://schemas.microsoft.com/office/powerpoint/2010/main" val="2649676672"/>
       </p:ext>
     </p:extLst>
   </p:cSld>
@@ -3825,9 +3809,9 @@
           <a:bodyPr/>
           <a:lstStyle/>
           <a:p>
-            <a:fld id="{A9A1688C-E58E-4A96-A6BC-B2B61BD5DC24}" type="datetime1">
+            <a:fld id="{16FA741F-A1E1-4589-8EB4-894FDA113C29}" type="datetime1">
               <a:rPr lang="en-US" smtClean="0"/>
-              <a:t>9/22/2019</a:t>
+              <a:t>12/1/2019</a:t>
             </a:fld>
             <a:endParaRPr lang="en-US"/>
           </a:p>
@@ -3870,7 +3854,7 @@
           <a:bodyPr/>
           <a:lstStyle/>
           <a:p>
-            <a:fld id="{78726174-7CEF-4FA0-AEF8-B5E48A354D54}" type="slidenum">
+            <a:fld id="{A72AAF77-8BC3-49D1-862E-3391222F8638}" type="slidenum">
               <a:rPr lang="en-US" smtClean="0"/>
               <a:t>‹#›</a:t>
             </a:fld>
@@ -3881,7 +3865,7 @@
     </p:spTree>
     <p:extLst>
       <p:ext uri="{BB962C8B-B14F-4D97-AF65-F5344CB8AC3E}">
-        <p14:creationId xmlns:p14="http://schemas.microsoft.com/office/powerpoint/2010/main" val="3944671265"/>
+        <p14:creationId xmlns:p14="http://schemas.microsoft.com/office/powerpoint/2010/main" val="4264758787"/>
       </p:ext>
     </p:extLst>
   </p:cSld>
@@ -4076,9 +4060,9 @@
           <a:bodyPr/>
           <a:lstStyle/>
           <a:p>
-            <a:fld id="{53C2C8B2-5961-4E85-BC20-244E594080D5}" type="datetime1">
+            <a:fld id="{0B0EB74B-7223-46BC-9329-CCAC1FABCFCE}" type="datetime1">
               <a:rPr lang="en-US" smtClean="0"/>
-              <a:t>9/22/2019</a:t>
+              <a:t>12/1/2019</a:t>
             </a:fld>
             <a:endParaRPr lang="en-US"/>
           </a:p>
@@ -4121,7 +4105,7 @@
           <a:bodyPr/>
           <a:lstStyle/>
           <a:p>
-            <a:fld id="{78726174-7CEF-4FA0-AEF8-B5E48A354D54}" type="slidenum">
+            <a:fld id="{A72AAF77-8BC3-49D1-862E-3391222F8638}" type="slidenum">
               <a:rPr lang="en-US" smtClean="0"/>
               <a:t>‹#›</a:t>
             </a:fld>
@@ -4163,7 +4147,7 @@
     </p:spTree>
     <p:extLst>
       <p:ext uri="{BB962C8B-B14F-4D97-AF65-F5344CB8AC3E}">
-        <p14:creationId xmlns:p14="http://schemas.microsoft.com/office/powerpoint/2010/main" val="3920963418"/>
+        <p14:creationId xmlns:p14="http://schemas.microsoft.com/office/powerpoint/2010/main" val="2900050566"/>
       </p:ext>
     </p:extLst>
   </p:cSld>
@@ -4377,9 +4361,9 @@
           <a:bodyPr/>
           <a:lstStyle/>
           <a:p>
-            <a:fld id="{5EE2B42A-6F32-42A0-A9A9-8818DD31F5B8}" type="datetime1">
+            <a:fld id="{3035FDAA-9FEA-440E-B915-7AD80DE73119}" type="datetime1">
               <a:rPr lang="en-US" smtClean="0"/>
-              <a:t>9/22/2019</a:t>
+              <a:t>12/1/2019</a:t>
             </a:fld>
             <a:endParaRPr lang="en-US"/>
           </a:p>
@@ -4422,7 +4406,7 @@
           <a:bodyPr/>
           <a:lstStyle/>
           <a:p>
-            <a:fld id="{78726174-7CEF-4FA0-AEF8-B5E48A354D54}" type="slidenum">
+            <a:fld id="{A72AAF77-8BC3-49D1-862E-3391222F8638}" type="slidenum">
               <a:rPr lang="en-US" smtClean="0"/>
               <a:t>‹#›</a:t>
             </a:fld>
@@ -4433,7 +4417,7 @@
     </p:spTree>
     <p:extLst>
       <p:ext uri="{BB962C8B-B14F-4D97-AF65-F5344CB8AC3E}">
-        <p14:creationId xmlns:p14="http://schemas.microsoft.com/office/powerpoint/2010/main" val="1083204553"/>
+        <p14:creationId xmlns:p14="http://schemas.microsoft.com/office/powerpoint/2010/main" val="694483096"/>
       </p:ext>
     </p:extLst>
   </p:cSld>
@@ -4774,9 +4758,9 @@
           <a:bodyPr/>
           <a:lstStyle/>
           <a:p>
-            <a:fld id="{8331087D-9C5D-4F7D-B234-BB48AC9B983A}" type="datetime1">
+            <a:fld id="{02701381-2367-45CB-BC90-CECE88FE929E}" type="datetime1">
               <a:rPr lang="en-US" smtClean="0"/>
-              <a:t>9/22/2019</a:t>
+              <a:t>12/1/2019</a:t>
             </a:fld>
             <a:endParaRPr lang="en-US"/>
           </a:p>
@@ -4819,7 +4803,7 @@
           <a:bodyPr/>
           <a:lstStyle/>
           <a:p>
-            <a:fld id="{78726174-7CEF-4FA0-AEF8-B5E48A354D54}" type="slidenum">
+            <a:fld id="{A72AAF77-8BC3-49D1-862E-3391222F8638}" type="slidenum">
               <a:rPr lang="en-US" smtClean="0"/>
               <a:t>‹#›</a:t>
             </a:fld>
@@ -4861,7 +4845,7 @@
     </p:spTree>
     <p:extLst>
       <p:ext uri="{BB962C8B-B14F-4D97-AF65-F5344CB8AC3E}">
-        <p14:creationId xmlns:p14="http://schemas.microsoft.com/office/powerpoint/2010/main" val="1268802163"/>
+        <p14:creationId xmlns:p14="http://schemas.microsoft.com/office/powerpoint/2010/main" val="2319796194"/>
       </p:ext>
     </p:extLst>
   </p:cSld>
@@ -4926,9 +4910,9 @@
           <a:bodyPr/>
           <a:lstStyle/>
           <a:p>
-            <a:fld id="{AAE0563F-A00A-4CBA-AC11-FD033ADE71E6}" type="datetime1">
+            <a:fld id="{E1F3AB00-8F0D-4FB9-806E-1B74FD7C6647}" type="datetime1">
               <a:rPr lang="en-US" smtClean="0"/>
-              <a:t>9/22/2019</a:t>
+              <a:t>12/1/2019</a:t>
             </a:fld>
             <a:endParaRPr lang="en-US"/>
           </a:p>
@@ -4971,7 +4955,7 @@
           <a:bodyPr/>
           <a:lstStyle/>
           <a:p>
-            <a:fld id="{78726174-7CEF-4FA0-AEF8-B5E48A354D54}" type="slidenum">
+            <a:fld id="{A72AAF77-8BC3-49D1-862E-3391222F8638}" type="slidenum">
               <a:rPr lang="en-US" smtClean="0"/>
               <a:t>‹#›</a:t>
             </a:fld>
@@ -5013,7 +4997,7 @@
     </p:spTree>
     <p:extLst>
       <p:ext uri="{BB962C8B-B14F-4D97-AF65-F5344CB8AC3E}">
-        <p14:creationId xmlns:p14="http://schemas.microsoft.com/office/powerpoint/2010/main" val="605716363"/>
+        <p14:creationId xmlns:p14="http://schemas.microsoft.com/office/powerpoint/2010/main" val="1734783078"/>
       </p:ext>
     </p:extLst>
   </p:cSld>
@@ -5055,9 +5039,9 @@
           <a:bodyPr/>
           <a:lstStyle/>
           <a:p>
-            <a:fld id="{B6C7BAD0-9B0D-4EFA-AE80-C3A9526953C6}" type="datetime1">
+            <a:fld id="{09A5CB20-34D2-4801-9ABF-C1C08E98C895}" type="datetime1">
               <a:rPr lang="en-US" smtClean="0"/>
-              <a:t>9/22/2019</a:t>
+              <a:t>12/1/2019</a:t>
             </a:fld>
             <a:endParaRPr lang="en-US"/>
           </a:p>
@@ -5100,7 +5084,7 @@
           <a:bodyPr/>
           <a:lstStyle/>
           <a:p>
-            <a:fld id="{78726174-7CEF-4FA0-AEF8-B5E48A354D54}" type="slidenum">
+            <a:fld id="{A72AAF77-8BC3-49D1-862E-3391222F8638}" type="slidenum">
               <a:rPr lang="en-US" smtClean="0"/>
               <a:t>‹#›</a:t>
             </a:fld>
@@ -5111,7 +5095,7 @@
     </p:spTree>
     <p:extLst>
       <p:ext uri="{BB962C8B-B14F-4D97-AF65-F5344CB8AC3E}">
-        <p14:creationId xmlns:p14="http://schemas.microsoft.com/office/powerpoint/2010/main" val="2209579579"/>
+        <p14:creationId xmlns:p14="http://schemas.microsoft.com/office/powerpoint/2010/main" val="3360686445"/>
       </p:ext>
     </p:extLst>
   </p:cSld>
@@ -5313,9 +5297,9 @@
           <a:bodyPr/>
           <a:lstStyle/>
           <a:p>
-            <a:fld id="{9C150FAA-7951-41EE-90A3-B949C8DC9C11}" type="datetime1">
+            <a:fld id="{F44AE9F0-A5A2-4ECC-8C08-DBD1D5473EE3}" type="datetime1">
               <a:rPr lang="en-US" smtClean="0"/>
-              <a:t>9/22/2019</a:t>
+              <a:t>12/1/2019</a:t>
             </a:fld>
             <a:endParaRPr lang="en-US"/>
           </a:p>
@@ -5358,7 +5342,7 @@
           <a:bodyPr/>
           <a:lstStyle/>
           <a:p>
-            <a:fld id="{78726174-7CEF-4FA0-AEF8-B5E48A354D54}" type="slidenum">
+            <a:fld id="{A72AAF77-8BC3-49D1-862E-3391222F8638}" type="slidenum">
               <a:rPr lang="en-US" smtClean="0"/>
               <a:t>‹#›</a:t>
             </a:fld>
@@ -5400,7 +5384,7 @@
     </p:spTree>
     <p:extLst>
       <p:ext uri="{BB962C8B-B14F-4D97-AF65-F5344CB8AC3E}">
-        <p14:creationId xmlns:p14="http://schemas.microsoft.com/office/powerpoint/2010/main" val="4164419527"/>
+        <p14:creationId xmlns:p14="http://schemas.microsoft.com/office/powerpoint/2010/main" val="3891174920"/>
       </p:ext>
     </p:extLst>
   </p:cSld>
@@ -5631,9 +5615,9 @@
           <a:bodyPr/>
           <a:lstStyle/>
           <a:p>
-            <a:fld id="{BE767B95-1093-4E47-A9DB-0B291C52F1B6}" type="datetime1">
+            <a:fld id="{8C301B00-7942-415A-9301-5D2E5FE6FFF1}" type="datetime1">
               <a:rPr lang="en-US" smtClean="0"/>
-              <a:t>9/22/2019</a:t>
+              <a:t>12/1/2019</a:t>
             </a:fld>
             <a:endParaRPr lang="en-US"/>
           </a:p>
@@ -5676,7 +5660,7 @@
           <a:bodyPr/>
           <a:lstStyle/>
           <a:p>
-            <a:fld id="{78726174-7CEF-4FA0-AEF8-B5E48A354D54}" type="slidenum">
+            <a:fld id="{A72AAF77-8BC3-49D1-862E-3391222F8638}" type="slidenum">
               <a:rPr lang="en-US" smtClean="0"/>
               <a:t>‹#›</a:t>
             </a:fld>
@@ -5687,7 +5671,7 @@
     </p:spTree>
     <p:extLst>
       <p:ext uri="{BB962C8B-B14F-4D97-AF65-F5344CB8AC3E}">
-        <p14:creationId xmlns:p14="http://schemas.microsoft.com/office/powerpoint/2010/main" val="3213312209"/>
+        <p14:creationId xmlns:p14="http://schemas.microsoft.com/office/powerpoint/2010/main" val="3497330006"/>
       </p:ext>
     </p:extLst>
   </p:cSld>
@@ -5985,9 +5969,9 @@
             </a:lvl1pPr>
           </a:lstStyle>
           <a:p>
-            <a:fld id="{F36BDBC7-9651-41B7-8B65-A99D971ED89A}" type="datetime1">
+            <a:fld id="{6017058B-E7DF-4C30-A894-58DF7FC9D4DE}" type="datetime1">
               <a:rPr lang="en-US" smtClean="0"/>
-              <a:t>9/22/2019</a:t>
+              <a:t>12/1/2019</a:t>
             </a:fld>
             <a:endParaRPr lang="en-US"/>
           </a:p>
@@ -6066,7 +6050,7 @@
             </a:lvl1pPr>
           </a:lstStyle>
           <a:p>
-            <a:fld id="{78726174-7CEF-4FA0-AEF8-B5E48A354D54}" type="slidenum">
+            <a:fld id="{A72AAF77-8BC3-49D1-862E-3391222F8638}" type="slidenum">
               <a:rPr lang="en-US" smtClean="0"/>
               <a:t>‹#›</a:t>
             </a:fld>
@@ -6077,7 +6061,7 @@
     </p:spTree>
     <p:extLst>
       <p:ext uri="{BB962C8B-B14F-4D97-AF65-F5344CB8AC3E}">
-        <p14:creationId xmlns:p14="http://schemas.microsoft.com/office/powerpoint/2010/main" val="448055524"/>
+        <p14:creationId xmlns:p14="http://schemas.microsoft.com/office/powerpoint/2010/main" val="3031273882"/>
       </p:ext>
     </p:extLst>
   </p:cSld>
@@ -6539,7 +6523,7 @@
           <p:cNvPr id="2" name="Title 1">
             <a:extLst>
               <a:ext uri="{FF2B5EF4-FFF2-40B4-BE49-F238E27FC236}">
-                <a16:creationId xmlns:a16="http://schemas.microsoft.com/office/drawing/2014/main" id="{2134DAC5-C18A-4CCA-B034-782E4B2EB0BD}"/>
+                <a16:creationId xmlns:a16="http://schemas.microsoft.com/office/drawing/2014/main" id="{0BA92CE0-F834-4C05-97E4-CAAD7F34856C}"/>
               </a:ext>
             </a:extLst>
           </p:cNvPr>
@@ -6567,7 +6551,7 @@
           <p:cNvPr id="3" name="Subtitle 2">
             <a:extLst>
               <a:ext uri="{FF2B5EF4-FFF2-40B4-BE49-F238E27FC236}">
-                <a16:creationId xmlns:a16="http://schemas.microsoft.com/office/drawing/2014/main" id="{0434180D-F410-45F8-8236-0C41C61E6A51}"/>
+                <a16:creationId xmlns:a16="http://schemas.microsoft.com/office/drawing/2014/main" id="{72224052-A5F4-440B-8579-F6F05ABEE07B}"/>
               </a:ext>
             </a:extLst>
           </p:cNvPr>
@@ -6601,7 +6585,7 @@
           <p:cNvPr id="4" name="Footer Placeholder 3">
             <a:extLst>
               <a:ext uri="{FF2B5EF4-FFF2-40B4-BE49-F238E27FC236}">
-                <a16:creationId xmlns:a16="http://schemas.microsoft.com/office/drawing/2014/main" id="{7BE71562-6AC7-46F0-89C9-A075D9C669CC}"/>
+                <a16:creationId xmlns:a16="http://schemas.microsoft.com/office/drawing/2014/main" id="{B91AE46A-FA74-45AF-ABA2-EB34CEA0483E}"/>
               </a:ext>
             </a:extLst>
           </p:cNvPr>
@@ -6629,7 +6613,7 @@
           <p:cNvPr id="5" name="Slide Number Placeholder 4">
             <a:extLst>
               <a:ext uri="{FF2B5EF4-FFF2-40B4-BE49-F238E27FC236}">
-                <a16:creationId xmlns:a16="http://schemas.microsoft.com/office/drawing/2014/main" id="{40FDB42F-475B-4698-818D-CEDFBFDC2A2F}"/>
+                <a16:creationId xmlns:a16="http://schemas.microsoft.com/office/drawing/2014/main" id="{1D36F189-20F8-4523-A05C-DEE064AC4BF1}"/>
               </a:ext>
             </a:extLst>
           </p:cNvPr>
@@ -6645,7 +6629,7 @@
           <a:bodyPr/>
           <a:lstStyle/>
           <a:p>
-            <a:fld id="{78726174-7CEF-4FA0-AEF8-B5E48A354D54}" type="slidenum">
+            <a:fld id="{A72AAF77-8BC3-49D1-862E-3391222F8638}" type="slidenum">
               <a:rPr lang="en-US" smtClean="0"/>
               <a:t>1</a:t>
             </a:fld>
@@ -6656,7 +6640,7 @@
     </p:spTree>
     <p:extLst>
       <p:ext uri="{BB962C8B-B14F-4D97-AF65-F5344CB8AC3E}">
-        <p14:creationId xmlns:p14="http://schemas.microsoft.com/office/powerpoint/2010/main" val="3330891357"/>
+        <p14:creationId xmlns:p14="http://schemas.microsoft.com/office/powerpoint/2010/main" val="4102434265"/>
       </p:ext>
     </p:extLst>
   </p:cSld>
@@ -6688,7 +6672,7 @@
           <p:cNvPr id="2" name="Title 1">
             <a:extLst>
               <a:ext uri="{FF2B5EF4-FFF2-40B4-BE49-F238E27FC236}">
-                <a16:creationId xmlns:a16="http://schemas.microsoft.com/office/drawing/2014/main" id="{085288BB-DAD2-4C2A-93ED-D854A4382176}"/>
+                <a16:creationId xmlns:a16="http://schemas.microsoft.com/office/drawing/2014/main" id="{4D3DE297-BF5D-408B-925C-6FAA38082C0A}"/>
               </a:ext>
             </a:extLst>
           </p:cNvPr>
@@ -6716,7 +6700,7 @@
           <p:cNvPr id="6" name="Picture Placeholder 5" descr="A view of a mountain&#10;&#10;Description automatically generated">
             <a:extLst>
               <a:ext uri="{FF2B5EF4-FFF2-40B4-BE49-F238E27FC236}">
-                <a16:creationId xmlns:a16="http://schemas.microsoft.com/office/drawing/2014/main" id="{1FBB1229-8995-44B3-8CCC-FA96461EF498}"/>
+                <a16:creationId xmlns:a16="http://schemas.microsoft.com/office/drawing/2014/main" id="{A4AAECEE-AB32-47CB-92C5-231A98CF6092}"/>
               </a:ext>
             </a:extLst>
           </p:cNvPr>
@@ -6747,7 +6731,7 @@
           <p:cNvPr id="4" name="Text Placeholder 3">
             <a:extLst>
               <a:ext uri="{FF2B5EF4-FFF2-40B4-BE49-F238E27FC236}">
-                <a16:creationId xmlns:a16="http://schemas.microsoft.com/office/drawing/2014/main" id="{BB1DA28F-629E-40CF-924D-946287B38723}"/>
+                <a16:creationId xmlns:a16="http://schemas.microsoft.com/office/drawing/2014/main" id="{86C9FD16-C7B0-401B-8E5F-A74B48389036}"/>
               </a:ext>
             </a:extLst>
           </p:cNvPr>
@@ -6767,7 +6751,7 @@
           <a:p>
             <a:r>
               <a:rPr lang="en-US" dirty="0"/>
-              <a:t>Whether you want to trek on a glacier or spend your time in quiet solitude, Kodiak West Travel can make your dream a reality. If you can dream it, we can help you get there.  </a:t>
+              <a:t>Whether you want to trek on a glacier or spend your time in quiet solitude, Kodiak west Travel can make your dream a reality. If you can dream it, we can help you get there.  </a:t>
             </a:r>
           </a:p>
         </p:txBody>
@@ -6777,7 +6761,7 @@
           <p:cNvPr id="7" name="Footer Placeholder 6">
             <a:extLst>
               <a:ext uri="{FF2B5EF4-FFF2-40B4-BE49-F238E27FC236}">
-                <a16:creationId xmlns:a16="http://schemas.microsoft.com/office/drawing/2014/main" id="{323203E9-F6F3-4095-845C-36BA2BD04A2F}"/>
+                <a16:creationId xmlns:a16="http://schemas.microsoft.com/office/drawing/2014/main" id="{C0FB1CD9-E85D-480E-8E98-4E70954E26E2}"/>
               </a:ext>
             </a:extLst>
           </p:cNvPr>
@@ -6805,7 +6789,7 @@
           <p:cNvPr id="8" name="Slide Number Placeholder 7">
             <a:extLst>
               <a:ext uri="{FF2B5EF4-FFF2-40B4-BE49-F238E27FC236}">
-                <a16:creationId xmlns:a16="http://schemas.microsoft.com/office/drawing/2014/main" id="{927B12AE-E929-47C9-9EAD-4530D1CB420E}"/>
+                <a16:creationId xmlns:a16="http://schemas.microsoft.com/office/drawing/2014/main" id="{B22725AC-D233-4BE1-8E31-F2671BE0A269}"/>
               </a:ext>
             </a:extLst>
           </p:cNvPr>
@@ -6821,7 +6805,7 @@
           <a:bodyPr/>
           <a:lstStyle/>
           <a:p>
-            <a:fld id="{78726174-7CEF-4FA0-AEF8-B5E48A354D54}" type="slidenum">
+            <a:fld id="{A72AAF77-8BC3-49D1-862E-3391222F8638}" type="slidenum">
               <a:rPr lang="en-US" smtClean="0"/>
               <a:t>2</a:t>
             </a:fld>
@@ -6832,7 +6816,7 @@
     </p:spTree>
     <p:extLst>
       <p:ext uri="{BB962C8B-B14F-4D97-AF65-F5344CB8AC3E}">
-        <p14:creationId xmlns:p14="http://schemas.microsoft.com/office/powerpoint/2010/main" val="892713089"/>
+        <p14:creationId xmlns:p14="http://schemas.microsoft.com/office/powerpoint/2010/main" val="3533783178"/>
       </p:ext>
     </p:extLst>
   </p:cSld>
@@ -6864,7 +6848,7 @@
           <p:cNvPr id="2" name="Title 1">
             <a:extLst>
               <a:ext uri="{FF2B5EF4-FFF2-40B4-BE49-F238E27FC236}">
-                <a16:creationId xmlns:a16="http://schemas.microsoft.com/office/drawing/2014/main" id="{559B5587-26C7-4BD4-AAD8-1C015CEF90BB}"/>
+                <a16:creationId xmlns:a16="http://schemas.microsoft.com/office/drawing/2014/main" id="{3310CFB4-F5BD-45CC-9A33-F0F108F7DBDC}"/>
               </a:ext>
             </a:extLst>
           </p:cNvPr>
@@ -6892,7 +6876,7 @@
           <p:cNvPr id="3" name="Content Placeholder 2">
             <a:extLst>
               <a:ext uri="{FF2B5EF4-FFF2-40B4-BE49-F238E27FC236}">
-                <a16:creationId xmlns:a16="http://schemas.microsoft.com/office/drawing/2014/main" id="{8CF37DA9-CDDA-426A-9751-C432205E8A36}"/>
+                <a16:creationId xmlns:a16="http://schemas.microsoft.com/office/drawing/2014/main" id="{8815A6F4-C528-4B6F-A6EA-474AD052A214}"/>
               </a:ext>
             </a:extLst>
           </p:cNvPr>
@@ -6930,7 +6914,7 @@
             <a:pPr lvl="1"/>
             <a:r>
               <a:rPr lang="en-US" dirty="0"/>
-              <a:t>Pacific Northwest, including US and Canada</a:t>
+              <a:t>Pacific Northwest, including U.S. and Canada</a:t>
             </a:r>
           </a:p>
         </p:txBody>
@@ -6940,7 +6924,7 @@
           <p:cNvPr id="4" name="Footer Placeholder 3">
             <a:extLst>
               <a:ext uri="{FF2B5EF4-FFF2-40B4-BE49-F238E27FC236}">
-                <a16:creationId xmlns:a16="http://schemas.microsoft.com/office/drawing/2014/main" id="{CFE7D7C7-C44C-4C37-B3CE-541942ECABB3}"/>
+                <a16:creationId xmlns:a16="http://schemas.microsoft.com/office/drawing/2014/main" id="{C8C59596-CEDE-4073-A777-CF140C25E3F3}"/>
               </a:ext>
             </a:extLst>
           </p:cNvPr>
@@ -6968,7 +6952,7 @@
           <p:cNvPr id="5" name="Slide Number Placeholder 4">
             <a:extLst>
               <a:ext uri="{FF2B5EF4-FFF2-40B4-BE49-F238E27FC236}">
-                <a16:creationId xmlns:a16="http://schemas.microsoft.com/office/drawing/2014/main" id="{15A0FB64-E5E5-42F7-97D3-A2E454E891D5}"/>
+                <a16:creationId xmlns:a16="http://schemas.microsoft.com/office/drawing/2014/main" id="{20DB21F0-57C2-4194-A66F-3B429AF475FD}"/>
               </a:ext>
             </a:extLst>
           </p:cNvPr>
@@ -6984,7 +6968,7 @@
           <a:bodyPr/>
           <a:lstStyle/>
           <a:p>
-            <a:fld id="{78726174-7CEF-4FA0-AEF8-B5E48A354D54}" type="slidenum">
+            <a:fld id="{A72AAF77-8BC3-49D1-862E-3391222F8638}" type="slidenum">
               <a:rPr lang="en-US" smtClean="0"/>
               <a:t>3</a:t>
             </a:fld>
@@ -6995,7 +6979,7 @@
     </p:spTree>
     <p:extLst>
       <p:ext uri="{BB962C8B-B14F-4D97-AF65-F5344CB8AC3E}">
-        <p14:creationId xmlns:p14="http://schemas.microsoft.com/office/powerpoint/2010/main" val="3650230884"/>
+        <p14:creationId xmlns:p14="http://schemas.microsoft.com/office/powerpoint/2010/main" val="2155011742"/>
       </p:ext>
     </p:extLst>
   </p:cSld>
@@ -7027,7 +7011,7 @@
           <p:cNvPr id="2" name="Title 1">
             <a:extLst>
               <a:ext uri="{FF2B5EF4-FFF2-40B4-BE49-F238E27FC236}">
-                <a16:creationId xmlns:a16="http://schemas.microsoft.com/office/drawing/2014/main" id="{3440EAD5-934F-4A7C-8865-CAD2FCACE62A}"/>
+                <a16:creationId xmlns:a16="http://schemas.microsoft.com/office/drawing/2014/main" id="{B088587C-F712-4C34-B3BD-1696B3FEEBB4}"/>
               </a:ext>
             </a:extLst>
           </p:cNvPr>
@@ -7052,10 +7036,10 @@
       </p:sp>
       <p:pic>
         <p:nvPicPr>
-          <p:cNvPr id="9" name="Content Placeholder 8" descr="A large body of water surrounded by trees&#10;&#10;Description automatically generated">
+          <p:cNvPr id="5" name="Content Placeholder 4">
             <a:extLst>
               <a:ext uri="{FF2B5EF4-FFF2-40B4-BE49-F238E27FC236}">
-                <a16:creationId xmlns:a16="http://schemas.microsoft.com/office/drawing/2014/main" id="{983025A1-0B14-41A5-BD4E-5E0A63DD99F2}"/>
+                <a16:creationId xmlns:a16="http://schemas.microsoft.com/office/drawing/2014/main" id="{274528E2-AD4E-45DF-91C1-7EDB2B3C60ED}"/>
               </a:ext>
             </a:extLst>
           </p:cNvPr>
@@ -7104,10 +7088,10 @@
       </p:pic>
       <p:sp>
         <p:nvSpPr>
-          <p:cNvPr id="10" name="Footer Placeholder 9">
+          <p:cNvPr id="6" name="Footer Placeholder 5">
             <a:extLst>
               <a:ext uri="{FF2B5EF4-FFF2-40B4-BE49-F238E27FC236}">
-                <a16:creationId xmlns:a16="http://schemas.microsoft.com/office/drawing/2014/main" id="{49194637-8C50-4F16-9005-B89BE7698383}"/>
+                <a16:creationId xmlns:a16="http://schemas.microsoft.com/office/drawing/2014/main" id="{2ED43E60-CFBC-4ACB-A0A9-8CB8A0E278DB}"/>
               </a:ext>
             </a:extLst>
           </p:cNvPr>
@@ -7132,10 +7116,10 @@
       </p:sp>
       <p:sp>
         <p:nvSpPr>
-          <p:cNvPr id="11" name="Slide Number Placeholder 10">
+          <p:cNvPr id="7" name="Slide Number Placeholder 6">
             <a:extLst>
               <a:ext uri="{FF2B5EF4-FFF2-40B4-BE49-F238E27FC236}">
-                <a16:creationId xmlns:a16="http://schemas.microsoft.com/office/drawing/2014/main" id="{2DDB1A06-29F1-412D-B898-1C6EC52C94C9}"/>
+                <a16:creationId xmlns:a16="http://schemas.microsoft.com/office/drawing/2014/main" id="{5851AE85-5D12-4269-BC33-49019C3C6C02}"/>
               </a:ext>
             </a:extLst>
           </p:cNvPr>
@@ -7151,7 +7135,7 @@
           <a:bodyPr/>
           <a:lstStyle/>
           <a:p>
-            <a:fld id="{78726174-7CEF-4FA0-AEF8-B5E48A354D54}" type="slidenum">
+            <a:fld id="{A72AAF77-8BC3-49D1-862E-3391222F8638}" type="slidenum">
               <a:rPr lang="en-US" smtClean="0"/>
               <a:t>4</a:t>
             </a:fld>
@@ -7162,7 +7146,7 @@
     </p:spTree>
     <p:extLst>
       <p:ext uri="{BB962C8B-B14F-4D97-AF65-F5344CB8AC3E}">
-        <p14:creationId xmlns:p14="http://schemas.microsoft.com/office/powerpoint/2010/main" val="2029002873"/>
+        <p14:creationId xmlns:p14="http://schemas.microsoft.com/office/powerpoint/2010/main" val="475204983"/>
       </p:ext>
     </p:extLst>
   </p:cSld>
@@ -7194,7 +7178,7 @@
           <p:cNvPr id="2" name="Title 1">
             <a:extLst>
               <a:ext uri="{FF2B5EF4-FFF2-40B4-BE49-F238E27FC236}">
-                <a16:creationId xmlns:a16="http://schemas.microsoft.com/office/drawing/2014/main" id="{CDA9371C-8840-4CE6-91AA-22876A1A0FA6}"/>
+                <a16:creationId xmlns:a16="http://schemas.microsoft.com/office/drawing/2014/main" id="{DBB60271-7C91-480F-8B22-061FED556F61}"/>
               </a:ext>
             </a:extLst>
           </p:cNvPr>
@@ -7222,7 +7206,7 @@
           <p:cNvPr id="3" name="Text Placeholder 2">
             <a:extLst>
               <a:ext uri="{FF2B5EF4-FFF2-40B4-BE49-F238E27FC236}">
-                <a16:creationId xmlns:a16="http://schemas.microsoft.com/office/drawing/2014/main" id="{1F4A6825-7838-489E-8290-3E3F916D33DC}"/>
+                <a16:creationId xmlns:a16="http://schemas.microsoft.com/office/drawing/2014/main" id="{B401AFD2-5DFA-49CF-9F32-5CE5E1AE6CD7}"/>
               </a:ext>
             </a:extLst>
           </p:cNvPr>
@@ -7242,7 +7226,7 @@
           <a:p>
             <a:r>
               <a:rPr lang="en-US" dirty="0"/>
-              <a:t>Kodiak West Travel was established in May 2001 by Ken </a:t>
+              <a:t>Kodiak West Travel was established in May of 2001 by Ken </a:t>
             </a:r>
             <a:r>
               <a:rPr lang="en-US" dirty="0" err="1"/>
@@ -7250,7 +7234,7 @@
             </a:r>
             <a:r>
               <a:rPr lang="en-US" dirty="0"/>
-              <a:t> and Mariam Dormer, two Alaska residents, whose sense of adventure and commitment to ecotourism is an inherent aspect of their travel itineraries. </a:t>
+              <a:t> and Mariam Dorner, two Alaska residents whose sense of adventure and commitment to ecotourism is an inherent aspect of their travel itineraries.</a:t>
             </a:r>
           </a:p>
         </p:txBody>
@@ -7260,7 +7244,7 @@
           <p:cNvPr id="4" name="Footer Placeholder 3">
             <a:extLst>
               <a:ext uri="{FF2B5EF4-FFF2-40B4-BE49-F238E27FC236}">
-                <a16:creationId xmlns:a16="http://schemas.microsoft.com/office/drawing/2014/main" id="{ED327CE2-6D11-4C38-90D8-7A30D95FA975}"/>
+                <a16:creationId xmlns:a16="http://schemas.microsoft.com/office/drawing/2014/main" id="{D379032D-7CA2-4A09-8F32-C80E022304CE}"/>
               </a:ext>
             </a:extLst>
           </p:cNvPr>
@@ -7288,7 +7272,7 @@
           <p:cNvPr id="5" name="Slide Number Placeholder 4">
             <a:extLst>
               <a:ext uri="{FF2B5EF4-FFF2-40B4-BE49-F238E27FC236}">
-                <a16:creationId xmlns:a16="http://schemas.microsoft.com/office/drawing/2014/main" id="{D1E3401C-06D4-4ACD-A259-3B27E83F8DFF}"/>
+                <a16:creationId xmlns:a16="http://schemas.microsoft.com/office/drawing/2014/main" id="{76A0A95D-212B-4C71-9D24-6877D957FA46}"/>
               </a:ext>
             </a:extLst>
           </p:cNvPr>
@@ -7304,7 +7288,7 @@
           <a:bodyPr/>
           <a:lstStyle/>
           <a:p>
-            <a:fld id="{78726174-7CEF-4FA0-AEF8-B5E48A354D54}" type="slidenum">
+            <a:fld id="{A72AAF77-8BC3-49D1-862E-3391222F8638}" type="slidenum">
               <a:rPr lang="en-US" smtClean="0"/>
               <a:t>5</a:t>
             </a:fld>
@@ -7315,7 +7299,7 @@
     </p:spTree>
     <p:extLst>
       <p:ext uri="{BB962C8B-B14F-4D97-AF65-F5344CB8AC3E}">
-        <p14:creationId xmlns:p14="http://schemas.microsoft.com/office/powerpoint/2010/main" val="762842222"/>
+        <p14:creationId xmlns:p14="http://schemas.microsoft.com/office/powerpoint/2010/main" val="1169407685"/>
       </p:ext>
     </p:extLst>
   </p:cSld>

--- a/Desktop Publishing & Presentation Graphics Applications/Microsoft PowerPoint-Comprehensive/Getting Started with Microsoft PowerPoint/KWT Overview.pptx
+++ b/Desktop Publishing & Presentation Graphics Applications/Microsoft PowerPoint-Comprehensive/Getting Started with Microsoft PowerPoint/KWT Overview.pptx
@@ -1,8 +1,8 @@
 
 <file path=ppt/presentation.xml><?xml version="1.0" encoding="utf-8"?>
-<p:presentation xmlns:a="http://schemas.openxmlformats.org/drawingml/2006/main" xmlns:r="http://schemas.openxmlformats.org/officeDocument/2006/relationships" xmlns:p="http://schemas.openxmlformats.org/presentationml/2006/main" saveSubsetFonts="1">
+<p:presentation xmlns:a="http://schemas.openxmlformats.org/drawingml/2006/main" xmlns:r="http://schemas.openxmlformats.org/officeDocument/2006/relationships" xmlns:p="http://schemas.openxmlformats.org/presentationml/2006/main" showSpecialPlsOnTitleSld="0" saveSubsetFonts="1">
   <p:sldMasterIdLst>
-    <p:sldMasterId id="2147483677" r:id="rId1"/>
+    <p:sldMasterId id="2147483695" r:id="rId1"/>
   </p:sldMasterIdLst>
   <p:notesMasterIdLst>
     <p:notesMasterId r:id="rId7"/>
@@ -111,13 +111,18 @@
       </a:defRPr>
     </a:lvl9pPr>
   </p:defaultTextStyle>
+  <p:extLst>
+    <p:ext uri="{EFAFB233-063F-42B5-8137-9DF3F51BA10A}">
+      <p15:sldGuideLst xmlns:p15="http://schemas.microsoft.com/office/powerpoint/2012/main"/>
+    </p:ext>
+  </p:extLst>
 </p:presentation>
 </file>
 
 <file path=ppt/revisionInfo.xml><?xml version="1.0" encoding="utf-8"?>
 <p1510:revInfo xmlns:a="http://schemas.openxmlformats.org/drawingml/2006/main" xmlns:r="http://schemas.openxmlformats.org/officeDocument/2006/relationships" xmlns:p1510="http://schemas.microsoft.com/office/powerpoint/2015/10/main">
   <p1510:revLst>
-    <p1510:client id="{F0FD2819-33DD-4F8E-8D60-B9A81A41195F}" v="11" dt="2019-12-01T19:48:15.189"/>
+    <p1510:client id="{AE5AA8E7-FFBC-42BD-9AA3-BA0DAB6AA01F}" v="9" dt="2020-05-26T20:26:33.845"/>
   </p1510:revLst>
 </p1510:revInfo>
 </file>
@@ -125,140 +130,162 @@
 <file path=ppt/changesInfos/changesInfo1.xml><?xml version="1.0" encoding="utf-8"?>
 <pc:chgInfo xmlns:a="http://schemas.openxmlformats.org/drawingml/2006/main" xmlns:r="http://schemas.openxmlformats.org/officeDocument/2006/relationships" xmlns:ac="http://schemas.microsoft.com/office/drawing/2013/main/command" xmlns:pc="http://schemas.microsoft.com/office/powerpoint/2013/main/command">
   <pc:docChgLst>
-    <pc:chgData name="SOUMYA VAJJHALA" userId="f3e3711e514002e0" providerId="LiveId" clId="{F0FD2819-33DD-4F8E-8D60-B9A81A41195F}"/>
-    <pc:docChg chg="custSel addSld modSld">
-      <pc:chgData name="SOUMYA VAJJHALA" userId="f3e3711e514002e0" providerId="LiveId" clId="{F0FD2819-33DD-4F8E-8D60-B9A81A41195F}" dt="2019-12-01T19:46:42.573" v="499" actId="1440"/>
+    <pc:chgData name="SOUMYA VAJJHALA" userId="f3e3711e514002e0" providerId="LiveId" clId="{AE5AA8E7-FFBC-42BD-9AA3-BA0DAB6AA01F}"/>
+    <pc:docChg chg="undo custSel addSld delSld modSld">
+      <pc:chgData name="SOUMYA VAJJHALA" userId="f3e3711e514002e0" providerId="LiveId" clId="{AE5AA8E7-FFBC-42BD-9AA3-BA0DAB6AA01F}" dt="2020-05-26T20:13:59.376" v="764" actId="1440"/>
       <pc:docMkLst>
         <pc:docMk/>
       </pc:docMkLst>
-      <pc:sldChg chg="modSp">
-        <pc:chgData name="SOUMYA VAJJHALA" userId="f3e3711e514002e0" providerId="LiveId" clId="{F0FD2819-33DD-4F8E-8D60-B9A81A41195F}" dt="2019-12-01T19:44:38.227" v="476" actId="20577"/>
+      <pc:sldChg chg="modSp mod">
+        <pc:chgData name="SOUMYA VAJJHALA" userId="f3e3711e514002e0" providerId="LiveId" clId="{AE5AA8E7-FFBC-42BD-9AA3-BA0DAB6AA01F}" dt="2020-05-26T18:50:29.712" v="739" actId="20577"/>
         <pc:sldMkLst>
           <pc:docMk/>
-          <pc:sldMk cId="4102434265" sldId="256"/>
+          <pc:sldMk cId="953197594" sldId="256"/>
         </pc:sldMkLst>
         <pc:spChg chg="mod">
-          <ac:chgData name="SOUMYA VAJJHALA" userId="f3e3711e514002e0" providerId="LiveId" clId="{F0FD2819-33DD-4F8E-8D60-B9A81A41195F}" dt="2019-12-01T19:44:38.227" v="476" actId="20577"/>
+          <ac:chgData name="SOUMYA VAJJHALA" userId="f3e3711e514002e0" providerId="LiveId" clId="{AE5AA8E7-FFBC-42BD-9AA3-BA0DAB6AA01F}" dt="2020-05-26T18:50:29.712" v="739" actId="20577"/>
           <ac:spMkLst>
             <pc:docMk/>
-            <pc:sldMk cId="4102434265" sldId="256"/>
-            <ac:spMk id="2" creationId="{0BA92CE0-F834-4C05-97E4-CAAD7F34856C}"/>
+            <pc:sldMk cId="953197594" sldId="256"/>
+            <ac:spMk id="2" creationId="{B63838DF-056C-4D0F-9D9B-E96BF3B366F7}"/>
+          </ac:spMkLst>
+        </pc:spChg>
+        <pc:spChg chg="mod">
+          <ac:chgData name="SOUMYA VAJJHALA" userId="f3e3711e514002e0" providerId="LiveId" clId="{AE5AA8E7-FFBC-42BD-9AA3-BA0DAB6AA01F}" dt="2020-05-25T14:53:25.404" v="1"/>
+          <ac:spMkLst>
+            <pc:docMk/>
+            <pc:sldMk cId="953197594" sldId="256"/>
+            <ac:spMk id="3" creationId="{A937C227-D924-48F6-BC3C-4970457506CE}"/>
           </ac:spMkLst>
         </pc:spChg>
       </pc:sldChg>
-      <pc:sldChg chg="addSp delSp modSp add">
-        <pc:chgData name="SOUMYA VAJJHALA" userId="f3e3711e514002e0" providerId="LiveId" clId="{F0FD2819-33DD-4F8E-8D60-B9A81A41195F}" dt="2019-12-01T19:45:10.843" v="479" actId="962"/>
+      <pc:sldChg chg="addSp delSp modSp new mod modNotesTx">
+        <pc:chgData name="SOUMYA VAJJHALA" userId="f3e3711e514002e0" providerId="LiveId" clId="{AE5AA8E7-FFBC-42BD-9AA3-BA0DAB6AA01F}" dt="2020-05-26T19:59:59.149" v="742" actId="962"/>
         <pc:sldMkLst>
           <pc:docMk/>
-          <pc:sldMk cId="3533783178" sldId="257"/>
+          <pc:sldMk cId="104195453" sldId="257"/>
         </pc:sldMkLst>
         <pc:spChg chg="mod">
-          <ac:chgData name="SOUMYA VAJJHALA" userId="f3e3711e514002e0" providerId="LiveId" clId="{F0FD2819-33DD-4F8E-8D60-B9A81A41195F}" dt="2019-12-01T19:40:06.554" v="11" actId="20577"/>
+          <ac:chgData name="SOUMYA VAJJHALA" userId="f3e3711e514002e0" providerId="LiveId" clId="{AE5AA8E7-FFBC-42BD-9AA3-BA0DAB6AA01F}" dt="2020-05-25T15:32:01.950" v="13" actId="20577"/>
           <ac:spMkLst>
             <pc:docMk/>
-            <pc:sldMk cId="3533783178" sldId="257"/>
-            <ac:spMk id="2" creationId="{4D3DE297-BF5D-408B-925C-6FAA38082C0A}"/>
+            <pc:sldMk cId="104195453" sldId="257"/>
+            <ac:spMk id="2" creationId="{10389010-4D7B-4F14-BBB2-2B6AEF5507DA}"/>
           </ac:spMkLst>
         </pc:spChg>
         <pc:spChg chg="del">
-          <ac:chgData name="SOUMYA VAJJHALA" userId="f3e3711e514002e0" providerId="LiveId" clId="{F0FD2819-33DD-4F8E-8D60-B9A81A41195F}" dt="2019-12-01T19:45:08.796" v="477" actId="931"/>
+          <ac:chgData name="SOUMYA VAJJHALA" userId="f3e3711e514002e0" providerId="LiveId" clId="{AE5AA8E7-FFBC-42BD-9AA3-BA0DAB6AA01F}" dt="2020-05-26T19:59:57.461" v="740" actId="931"/>
           <ac:spMkLst>
             <pc:docMk/>
-            <pc:sldMk cId="3533783178" sldId="257"/>
-            <ac:spMk id="3" creationId="{FC206848-531D-4345-A99C-E432DB9A8CD0}"/>
+            <pc:sldMk cId="104195453" sldId="257"/>
+            <ac:spMk id="3" creationId="{20C8DBCD-B816-46AE-B4D4-ADD6DDD55A1E}"/>
           </ac:spMkLst>
         </pc:spChg>
         <pc:spChg chg="mod">
-          <ac:chgData name="SOUMYA VAJJHALA" userId="f3e3711e514002e0" providerId="LiveId" clId="{F0FD2819-33DD-4F8E-8D60-B9A81A41195F}" dt="2019-12-01T19:43:47.670" v="445" actId="20577"/>
+          <ac:chgData name="SOUMYA VAJJHALA" userId="f3e3711e514002e0" providerId="LiveId" clId="{AE5AA8E7-FFBC-42BD-9AA3-BA0DAB6AA01F}" dt="2020-05-25T15:33:12.263" v="150" actId="20577"/>
           <ac:spMkLst>
             <pc:docMk/>
-            <pc:sldMk cId="3533783178" sldId="257"/>
-            <ac:spMk id="4" creationId="{86C9FD16-C7B0-401B-8E5F-A74B48389036}"/>
+            <pc:sldMk cId="104195453" sldId="257"/>
+            <ac:spMk id="4" creationId="{5F1B147B-41A9-4A7D-9D23-7A1CDCE60116}"/>
           </ac:spMkLst>
         </pc:spChg>
         <pc:picChg chg="add mod">
-          <ac:chgData name="SOUMYA VAJJHALA" userId="f3e3711e514002e0" providerId="LiveId" clId="{F0FD2819-33DD-4F8E-8D60-B9A81A41195F}" dt="2019-12-01T19:45:10.843" v="479" actId="962"/>
+          <ac:chgData name="SOUMYA VAJJHALA" userId="f3e3711e514002e0" providerId="LiveId" clId="{AE5AA8E7-FFBC-42BD-9AA3-BA0DAB6AA01F}" dt="2020-05-26T19:59:59.149" v="742" actId="962"/>
           <ac:picMkLst>
             <pc:docMk/>
-            <pc:sldMk cId="3533783178" sldId="257"/>
-            <ac:picMk id="6" creationId="{A4AAECEE-AB32-47CB-92C5-231A98CF6092}"/>
+            <pc:sldMk cId="104195453" sldId="257"/>
+            <ac:picMk id="6" creationId="{A74DD8B0-1B17-4271-B425-44DD7F2C155F}"/>
           </ac:picMkLst>
         </pc:picChg>
       </pc:sldChg>
-      <pc:sldChg chg="modSp add modNotesTx">
-        <pc:chgData name="SOUMYA VAJJHALA" userId="f3e3711e514002e0" providerId="LiveId" clId="{F0FD2819-33DD-4F8E-8D60-B9A81A41195F}" dt="2019-12-01T19:43:12.767" v="395" actId="20577"/>
+      <pc:sldChg chg="modSp new mod modNotesTx">
+        <pc:chgData name="SOUMYA VAJJHALA" userId="f3e3711e514002e0" providerId="LiveId" clId="{AE5AA8E7-FFBC-42BD-9AA3-BA0DAB6AA01F}" dt="2020-05-25T19:37:09.664" v="477" actId="20577"/>
         <pc:sldMkLst>
           <pc:docMk/>
-          <pc:sldMk cId="2155011742" sldId="258"/>
+          <pc:sldMk cId="3232909528" sldId="258"/>
         </pc:sldMkLst>
         <pc:spChg chg="mod">
-          <ac:chgData name="SOUMYA VAJJHALA" userId="f3e3711e514002e0" providerId="LiveId" clId="{F0FD2819-33DD-4F8E-8D60-B9A81A41195F}" dt="2019-12-01T19:40:49.895" v="183" actId="20577"/>
+          <ac:chgData name="SOUMYA VAJJHALA" userId="f3e3711e514002e0" providerId="LiveId" clId="{AE5AA8E7-FFBC-42BD-9AA3-BA0DAB6AA01F}" dt="2020-05-25T15:34:39.429" v="164" actId="20577"/>
           <ac:spMkLst>
             <pc:docMk/>
-            <pc:sldMk cId="2155011742" sldId="258"/>
-            <ac:spMk id="2" creationId="{3310CFB4-F5BD-45CC-9A33-F0F108F7DBDC}"/>
+            <pc:sldMk cId="3232909528" sldId="258"/>
+            <ac:spMk id="2" creationId="{1E675FD3-F684-4C7C-BF00-DBAEB78F7E99}"/>
           </ac:spMkLst>
         </pc:spChg>
         <pc:spChg chg="mod">
-          <ac:chgData name="SOUMYA VAJJHALA" userId="f3e3711e514002e0" providerId="LiveId" clId="{F0FD2819-33DD-4F8E-8D60-B9A81A41195F}" dt="2019-12-01T19:42:18.735" v="391" actId="20577"/>
+          <ac:chgData name="SOUMYA VAJJHALA" userId="f3e3711e514002e0" providerId="LiveId" clId="{AE5AA8E7-FFBC-42BD-9AA3-BA0DAB6AA01F}" dt="2020-05-25T19:19:43.177" v="343" actId="20577"/>
           <ac:spMkLst>
             <pc:docMk/>
-            <pc:sldMk cId="2155011742" sldId="258"/>
-            <ac:spMk id="3" creationId="{8815A6F4-C528-4B6F-A6EA-474AD052A214}"/>
+            <pc:sldMk cId="3232909528" sldId="258"/>
+            <ac:spMk id="3" creationId="{496F99E8-8157-4770-8E71-269ED697E562}"/>
           </ac:spMkLst>
         </pc:spChg>
       </pc:sldChg>
-      <pc:sldChg chg="modSp add">
-        <pc:chgData name="SOUMYA VAJJHALA" userId="f3e3711e514002e0" providerId="LiveId" clId="{F0FD2819-33DD-4F8E-8D60-B9A81A41195F}" dt="2019-12-01T19:44:23.538" v="469" actId="27636"/>
+      <pc:sldChg chg="new del">
+        <pc:chgData name="SOUMYA VAJJHALA" userId="f3e3711e514002e0" providerId="LiveId" clId="{AE5AA8E7-FFBC-42BD-9AA3-BA0DAB6AA01F}" dt="2020-05-26T18:30:34.203" v="479" actId="47"/>
         <pc:sldMkLst>
           <pc:docMk/>
-          <pc:sldMk cId="1169407685" sldId="259"/>
+          <pc:sldMk cId="805370081" sldId="259"/>
+        </pc:sldMkLst>
+      </pc:sldChg>
+      <pc:sldChg chg="modSp new mod">
+        <pc:chgData name="SOUMYA VAJJHALA" userId="f3e3711e514002e0" providerId="LiveId" clId="{AE5AA8E7-FFBC-42BD-9AA3-BA0DAB6AA01F}" dt="2020-05-26T18:50:10.253" v="732" actId="20577"/>
+        <pc:sldMkLst>
+          <pc:docMk/>
+          <pc:sldMk cId="974914693" sldId="259"/>
         </pc:sldMkLst>
         <pc:spChg chg="mod">
-          <ac:chgData name="SOUMYA VAJJHALA" userId="f3e3711e514002e0" providerId="LiveId" clId="{F0FD2819-33DD-4F8E-8D60-B9A81A41195F}" dt="2019-12-01T19:44:11.543" v="463" actId="20577"/>
+          <ac:chgData name="SOUMYA VAJJHALA" userId="f3e3711e514002e0" providerId="LiveId" clId="{AE5AA8E7-FFBC-42BD-9AA3-BA0DAB6AA01F}" dt="2020-05-26T18:32:01.100" v="499" actId="20577"/>
           <ac:spMkLst>
             <pc:docMk/>
-            <pc:sldMk cId="1169407685" sldId="259"/>
-            <ac:spMk id="2" creationId="{DBB60271-7C91-480F-8B22-061FED556F61}"/>
+            <pc:sldMk cId="974914693" sldId="259"/>
+            <ac:spMk id="2" creationId="{3A50D436-9B22-4564-9873-3FF866BB2272}"/>
           </ac:spMkLst>
         </pc:spChg>
         <pc:spChg chg="mod">
-          <ac:chgData name="SOUMYA VAJJHALA" userId="f3e3711e514002e0" providerId="LiveId" clId="{F0FD2819-33DD-4F8E-8D60-B9A81A41195F}" dt="2019-12-01T19:44:23.538" v="469" actId="27636"/>
+          <ac:chgData name="SOUMYA VAJJHALA" userId="f3e3711e514002e0" providerId="LiveId" clId="{AE5AA8E7-FFBC-42BD-9AA3-BA0DAB6AA01F}" dt="2020-05-26T18:50:10.253" v="732" actId="20577"/>
           <ac:spMkLst>
             <pc:docMk/>
-            <pc:sldMk cId="1169407685" sldId="259"/>
-            <ac:spMk id="3" creationId="{B401AFD2-5DFA-49CF-9F32-5CE5E1AE6CD7}"/>
+            <pc:sldMk cId="974914693" sldId="259"/>
+            <ac:spMk id="3" creationId="{E168AE11-8DB9-42B9-BD1B-53EBB169C67B}"/>
           </ac:spMkLst>
         </pc:spChg>
       </pc:sldChg>
-      <pc:sldChg chg="addSp delSp modSp add">
-        <pc:chgData name="SOUMYA VAJJHALA" userId="f3e3711e514002e0" providerId="LiveId" clId="{F0FD2819-33DD-4F8E-8D60-B9A81A41195F}" dt="2019-12-01T19:46:42.573" v="499" actId="1440"/>
+      <pc:sldChg chg="new del">
+        <pc:chgData name="SOUMYA VAJJHALA" userId="f3e3711e514002e0" providerId="LiveId" clId="{AE5AA8E7-FFBC-42BD-9AA3-BA0DAB6AA01F}" dt="2020-05-26T20:10:47.397" v="744" actId="680"/>
         <pc:sldMkLst>
           <pc:docMk/>
-          <pc:sldMk cId="475204983" sldId="260"/>
+          <pc:sldMk cId="1384175995" sldId="260"/>
+        </pc:sldMkLst>
+      </pc:sldChg>
+      <pc:sldChg chg="addSp delSp modSp new mod">
+        <pc:chgData name="SOUMYA VAJJHALA" userId="f3e3711e514002e0" providerId="LiveId" clId="{AE5AA8E7-FFBC-42BD-9AA3-BA0DAB6AA01F}" dt="2020-05-26T20:13:59.376" v="764" actId="1440"/>
+        <pc:sldMkLst>
+          <pc:docMk/>
+          <pc:sldMk cId="1991338273" sldId="260"/>
         </pc:sldMkLst>
         <pc:spChg chg="mod">
-          <ac:chgData name="SOUMYA VAJJHALA" userId="f3e3711e514002e0" providerId="LiveId" clId="{F0FD2819-33DD-4F8E-8D60-B9A81A41195F}" dt="2019-12-01T19:45:49.761" v="493" actId="20577"/>
+          <ac:chgData name="SOUMYA VAJJHALA" userId="f3e3711e514002e0" providerId="LiveId" clId="{AE5AA8E7-FFBC-42BD-9AA3-BA0DAB6AA01F}" dt="2020-05-26T20:12:31.374" v="763" actId="20577"/>
           <ac:spMkLst>
             <pc:docMk/>
-            <pc:sldMk cId="475204983" sldId="260"/>
-            <ac:spMk id="2" creationId="{B088587C-F712-4C34-B3BD-1696B3FEEBB4}"/>
+            <pc:sldMk cId="1991338273" sldId="260"/>
+            <ac:spMk id="2" creationId="{15DD5817-DB78-48AD-ADAA-8FF1B0354A79}"/>
           </ac:spMkLst>
         </pc:spChg>
         <pc:spChg chg="del">
-          <ac:chgData name="SOUMYA VAJJHALA" userId="f3e3711e514002e0" providerId="LiveId" clId="{F0FD2819-33DD-4F8E-8D60-B9A81A41195F}" dt="2019-12-01T19:45:56.752" v="494" actId="931"/>
+          <ac:chgData name="SOUMYA VAJJHALA" userId="f3e3711e514002e0" providerId="LiveId" clId="{AE5AA8E7-FFBC-42BD-9AA3-BA0DAB6AA01F}" dt="2020-05-26T20:12:13.962" v="746" actId="931"/>
           <ac:spMkLst>
             <pc:docMk/>
-            <pc:sldMk cId="475204983" sldId="260"/>
-            <ac:spMk id="3" creationId="{DA9D0B4A-D436-4326-9370-5309E57FB5B7}"/>
+            <pc:sldMk cId="1991338273" sldId="260"/>
+            <ac:spMk id="3" creationId="{F21E72F9-0C18-4FA8-A87B-AEFE5766BF66}"/>
           </ac:spMkLst>
         </pc:spChg>
         <pc:picChg chg="add mod">
-          <ac:chgData name="SOUMYA VAJJHALA" userId="f3e3711e514002e0" providerId="LiveId" clId="{F0FD2819-33DD-4F8E-8D60-B9A81A41195F}" dt="2019-12-01T19:46:42.573" v="499" actId="1440"/>
+          <ac:chgData name="SOUMYA VAJJHALA" userId="f3e3711e514002e0" providerId="LiveId" clId="{AE5AA8E7-FFBC-42BD-9AA3-BA0DAB6AA01F}" dt="2020-05-26T20:13:59.376" v="764" actId="1440"/>
           <ac:picMkLst>
             <pc:docMk/>
-            <pc:sldMk cId="475204983" sldId="260"/>
-            <ac:picMk id="5" creationId="{274528E2-AD4E-45DF-91C1-7EDB2B3C60ED}"/>
+            <pc:sldMk cId="1991338273" sldId="260"/>
+            <ac:picMk id="5" creationId="{F4AB10D6-4D59-4A77-AA28-E91D8D99198B}"/>
           </ac:picMkLst>
         </pc:picChg>
       </pc:sldChg>
@@ -347,9 +374,9 @@
             </a:lvl1pPr>
           </a:lstStyle>
           <a:p>
-            <a:fld id="{CDE7B67A-2EE9-418F-AC85-AA29A686B579}" type="datetimeFigureOut">
+            <a:fld id="{38012A5F-5FD4-4364-9667-B35875599239}" type="datetimeFigureOut">
               <a:rPr lang="en-US" smtClean="0"/>
-              <a:t>12/1/2019</a:t>
+              <a:t>5/26/2020</a:t>
             </a:fld>
             <a:endParaRPr lang="en-US"/>
           </a:p>
@@ -505,7 +532,7 @@
             </a:lvl1pPr>
           </a:lstStyle>
           <a:p>
-            <a:fld id="{DA76B19E-F223-4DFD-9E89-59556A114193}" type="slidenum">
+            <a:fld id="{E9C2CC93-51B7-4200-8930-A935453969A7}" type="slidenum">
               <a:rPr lang="en-US" smtClean="0"/>
               <a:t>‹#›</a:t>
             </a:fld>
@@ -516,7 +543,7 @@
     </p:spTree>
     <p:extLst>
       <p:ext uri="{BB962C8B-B14F-4D97-AF65-F5344CB8AC3E}">
-        <p14:creationId xmlns:p14="http://schemas.microsoft.com/office/powerpoint/2010/main" val="3371457515"/>
+        <p14:creationId xmlns:p14="http://schemas.microsoft.com/office/powerpoint/2010/main" val="2725491258"/>
       </p:ext>
     </p:extLst>
   </p:cSld>
@@ -662,6 +689,93 @@
           <a:p>
             <a:r>
               <a:rPr lang="en-US" dirty="0"/>
+              <a:t>If you can dream it, we can help you get there. </a:t>
+            </a:r>
+          </a:p>
+        </p:txBody>
+      </p:sp>
+      <p:sp>
+        <p:nvSpPr>
+          <p:cNvPr id="4" name="Slide Number Placeholder 3"/>
+          <p:cNvSpPr>
+            <a:spLocks noGrp="1"/>
+          </p:cNvSpPr>
+          <p:nvPr>
+            <p:ph type="sldNum" sz="quarter" idx="5"/>
+          </p:nvPr>
+        </p:nvSpPr>
+        <p:spPr/>
+        <p:txBody>
+          <a:bodyPr/>
+          <a:lstStyle/>
+          <a:p>
+            <a:fld id="{E9C2CC93-51B7-4200-8930-A935453969A7}" type="slidenum">
+              <a:rPr lang="en-US" smtClean="0"/>
+              <a:t>2</a:t>
+            </a:fld>
+            <a:endParaRPr lang="en-US"/>
+          </a:p>
+        </p:txBody>
+      </p:sp>
+    </p:spTree>
+    <p:extLst>
+      <p:ext uri="{BB962C8B-B14F-4D97-AF65-F5344CB8AC3E}">
+        <p14:creationId xmlns:p14="http://schemas.microsoft.com/office/powerpoint/2010/main" val="1469998079"/>
+      </p:ext>
+    </p:extLst>
+  </p:cSld>
+  <p:clrMapOvr>
+    <a:masterClrMapping/>
+  </p:clrMapOvr>
+</p:notes>
+</file>
+
+<file path=ppt/notesSlides/notesSlide2.xml><?xml version="1.0" encoding="utf-8"?>
+<p:notes xmlns:a="http://schemas.openxmlformats.org/drawingml/2006/main" xmlns:r="http://schemas.openxmlformats.org/officeDocument/2006/relationships" xmlns:p="http://schemas.openxmlformats.org/presentationml/2006/main">
+  <p:cSld>
+    <p:spTree>
+      <p:nvGrpSpPr>
+        <p:cNvPr id="1" name=""/>
+        <p:cNvGrpSpPr/>
+        <p:nvPr/>
+      </p:nvGrpSpPr>
+      <p:grpSpPr>
+        <a:xfrm>
+          <a:off x="0" y="0"/>
+          <a:ext cx="0" cy="0"/>
+          <a:chOff x="0" y="0"/>
+          <a:chExt cx="0" cy="0"/>
+        </a:xfrm>
+      </p:grpSpPr>
+      <p:sp>
+        <p:nvSpPr>
+          <p:cNvPr id="2" name="Slide Image Placeholder 1"/>
+          <p:cNvSpPr>
+            <a:spLocks noGrp="1" noRot="1" noChangeAspect="1"/>
+          </p:cNvSpPr>
+          <p:nvPr>
+            <p:ph type="sldImg"/>
+          </p:nvPr>
+        </p:nvSpPr>
+        <p:spPr/>
+      </p:sp>
+      <p:sp>
+        <p:nvSpPr>
+          <p:cNvPr id="3" name="Notes Placeholder 2"/>
+          <p:cNvSpPr>
+            <a:spLocks noGrp="1"/>
+          </p:cNvSpPr>
+          <p:nvPr>
+            <p:ph type="body" idx="1"/>
+          </p:nvPr>
+        </p:nvSpPr>
+        <p:spPr/>
+        <p:txBody>
+          <a:bodyPr/>
+          <a:lstStyle/>
+          <a:p>
+            <a:r>
+              <a:rPr lang="en-US" dirty="0"/>
               <a:t>Kodiak West Travel has locations in Juneau, Anchorage, and Victoria.</a:t>
             </a:r>
           </a:p>
@@ -682,7 +796,7 @@
           <a:bodyPr/>
           <a:lstStyle/>
           <a:p>
-            <a:fld id="{DA76B19E-F223-4DFD-9E89-59556A114193}" type="slidenum">
+            <a:fld id="{E9C2CC93-51B7-4200-8930-A935453969A7}" type="slidenum">
               <a:rPr lang="en-US" smtClean="0"/>
               <a:t>3</a:t>
             </a:fld>
@@ -693,7 +807,7 @@
     </p:spTree>
     <p:extLst>
       <p:ext uri="{BB962C8B-B14F-4D97-AF65-F5344CB8AC3E}">
-        <p14:creationId xmlns:p14="http://schemas.microsoft.com/office/powerpoint/2010/main" val="68983079"/>
+        <p14:creationId xmlns:p14="http://schemas.microsoft.com/office/powerpoint/2010/main" val="422208930"/>
       </p:ext>
     </p:extLst>
   </p:cSld>
@@ -1032,9 +1146,9 @@
           <a:bodyPr/>
           <a:lstStyle/>
           <a:p>
-            <a:fld id="{4422710F-C85D-486F-A879-A40D521F6642}" type="datetime1">
+            <a:fld id="{81E14B6C-B3AD-4005-998C-43A33E236881}" type="datetime1">
               <a:rPr lang="en-US" smtClean="0"/>
-              <a:t>12/1/2019</a:t>
+              <a:t>5/26/2020</a:t>
             </a:fld>
             <a:endParaRPr lang="en-US"/>
           </a:p>
@@ -1087,7 +1201,7 @@
           <a:bodyPr/>
           <a:lstStyle/>
           <a:p>
-            <a:fld id="{A72AAF77-8BC3-49D1-862E-3391222F8638}" type="slidenum">
+            <a:fld id="{CF98B955-A9B9-485C-B654-B0411A7685A2}" type="slidenum">
               <a:rPr lang="en-US" smtClean="0"/>
               <a:t>‹#›</a:t>
             </a:fld>
@@ -1128,7 +1242,7 @@
     </p:spTree>
     <p:extLst>
       <p:ext uri="{BB962C8B-B14F-4D97-AF65-F5344CB8AC3E}">
-        <p14:creationId xmlns:p14="http://schemas.microsoft.com/office/powerpoint/2010/main" val="1369476902"/>
+        <p14:creationId xmlns:p14="http://schemas.microsoft.com/office/powerpoint/2010/main" val="3790539733"/>
       </p:ext>
     </p:extLst>
   </p:cSld>
@@ -1359,9 +1473,9 @@
           <a:bodyPr/>
           <a:lstStyle/>
           <a:p>
-            <a:fld id="{6484F2EA-127D-42FA-8B4A-8C9BDEDF6221}" type="datetime1">
+            <a:fld id="{C602AD0A-F55A-4550-A88C-FBEE6DB36A6E}" type="datetime1">
               <a:rPr lang="en-US" smtClean="0"/>
-              <a:t>12/1/2019</a:t>
+              <a:t>5/26/2020</a:t>
             </a:fld>
             <a:endParaRPr lang="en-US"/>
           </a:p>
@@ -1404,7 +1518,7 @@
           <a:bodyPr/>
           <a:lstStyle/>
           <a:p>
-            <a:fld id="{A72AAF77-8BC3-49D1-862E-3391222F8638}" type="slidenum">
+            <a:fld id="{CF98B955-A9B9-485C-B654-B0411A7685A2}" type="slidenum">
               <a:rPr lang="en-US" smtClean="0"/>
               <a:t>‹#›</a:t>
             </a:fld>
@@ -1415,7 +1529,7 @@
     </p:spTree>
     <p:extLst>
       <p:ext uri="{BB962C8B-B14F-4D97-AF65-F5344CB8AC3E}">
-        <p14:creationId xmlns:p14="http://schemas.microsoft.com/office/powerpoint/2010/main" val="2472412676"/>
+        <p14:creationId xmlns:p14="http://schemas.microsoft.com/office/powerpoint/2010/main" val="3130171365"/>
       </p:ext>
     </p:extLst>
   </p:cSld>
@@ -1610,9 +1724,9 @@
           <a:bodyPr/>
           <a:lstStyle/>
           <a:p>
-            <a:fld id="{A3CE7377-FBFB-4737-9594-44A6CA475221}" type="datetime1">
+            <a:fld id="{49A567EA-F4AA-4F6D-982B-7471AF93AF9A}" type="datetime1">
               <a:rPr lang="en-US" smtClean="0"/>
-              <a:t>12/1/2019</a:t>
+              <a:t>5/26/2020</a:t>
             </a:fld>
             <a:endParaRPr lang="en-US"/>
           </a:p>
@@ -1655,7 +1769,7 @@
           <a:bodyPr/>
           <a:lstStyle/>
           <a:p>
-            <a:fld id="{A72AAF77-8BC3-49D1-862E-3391222F8638}" type="slidenum">
+            <a:fld id="{CF98B955-A9B9-485C-B654-B0411A7685A2}" type="slidenum">
               <a:rPr lang="en-US" smtClean="0"/>
               <a:t>‹#›</a:t>
             </a:fld>
@@ -1697,7 +1811,7 @@
     </p:spTree>
     <p:extLst>
       <p:ext uri="{BB962C8B-B14F-4D97-AF65-F5344CB8AC3E}">
-        <p14:creationId xmlns:p14="http://schemas.microsoft.com/office/powerpoint/2010/main" val="204383004"/>
+        <p14:creationId xmlns:p14="http://schemas.microsoft.com/office/powerpoint/2010/main" val="3249921698"/>
       </p:ext>
     </p:extLst>
   </p:cSld>
@@ -1952,9 +2066,9 @@
           <a:bodyPr/>
           <a:lstStyle/>
           <a:p>
-            <a:fld id="{59DEB4EF-8EAE-4CC2-9E6A-CACE5E5A19D5}" type="datetime1">
+            <a:fld id="{A510DEA9-AFD5-462D-A713-B5333F9FA253}" type="datetime1">
               <a:rPr lang="en-US" smtClean="0"/>
-              <a:t>12/1/2019</a:t>
+              <a:t>5/26/2020</a:t>
             </a:fld>
             <a:endParaRPr lang="en-US"/>
           </a:p>
@@ -1997,7 +2111,7 @@
           <a:bodyPr/>
           <a:lstStyle/>
           <a:p>
-            <a:fld id="{A72AAF77-8BC3-49D1-862E-3391222F8638}" type="slidenum">
+            <a:fld id="{CF98B955-A9B9-485C-B654-B0411A7685A2}" type="slidenum">
               <a:rPr lang="en-US" smtClean="0"/>
               <a:t>‹#›</a:t>
             </a:fld>
@@ -2107,7 +2221,7 @@
     </p:spTree>
     <p:extLst>
       <p:ext uri="{BB962C8B-B14F-4D97-AF65-F5344CB8AC3E}">
-        <p14:creationId xmlns:p14="http://schemas.microsoft.com/office/powerpoint/2010/main" val="3884460984"/>
+        <p14:creationId xmlns:p14="http://schemas.microsoft.com/office/powerpoint/2010/main" val="3208095145"/>
       </p:ext>
     </p:extLst>
   </p:cSld>
@@ -2302,9 +2416,9 @@
           <a:bodyPr/>
           <a:lstStyle/>
           <a:p>
-            <a:fld id="{198C2DE6-802B-4F74-B884-D4D5536893CE}" type="datetime1">
+            <a:fld id="{C5205871-7C0A-4721-BF12-EF85896A4BFE}" type="datetime1">
               <a:rPr lang="en-US" smtClean="0"/>
-              <a:t>12/1/2019</a:t>
+              <a:t>5/26/2020</a:t>
             </a:fld>
             <a:endParaRPr lang="en-US"/>
           </a:p>
@@ -2347,7 +2461,7 @@
           <a:bodyPr/>
           <a:lstStyle/>
           <a:p>
-            <a:fld id="{A72AAF77-8BC3-49D1-862E-3391222F8638}" type="slidenum">
+            <a:fld id="{CF98B955-A9B9-485C-B654-B0411A7685A2}" type="slidenum">
               <a:rPr lang="en-US" smtClean="0"/>
               <a:t>‹#›</a:t>
             </a:fld>
@@ -2358,7 +2472,7 @@
     </p:spTree>
     <p:extLst>
       <p:ext uri="{BB962C8B-B14F-4D97-AF65-F5344CB8AC3E}">
-        <p14:creationId xmlns:p14="http://schemas.microsoft.com/office/powerpoint/2010/main" val="956506293"/>
+        <p14:creationId xmlns:p14="http://schemas.microsoft.com/office/powerpoint/2010/main" val="2797848831"/>
       </p:ext>
     </p:extLst>
   </p:cSld>
@@ -2679,9 +2793,9 @@
           <a:bodyPr/>
           <a:lstStyle/>
           <a:p>
-            <a:fld id="{78EEBD87-E8B4-4D9F-BFEC-350F1751AB0D}" type="datetime1">
+            <a:fld id="{12319E86-E6B2-486D-A931-DA5A417F30BA}" type="datetime1">
               <a:rPr lang="en-US" smtClean="0"/>
-              <a:t>12/1/2019</a:t>
+              <a:t>5/26/2020</a:t>
             </a:fld>
             <a:endParaRPr lang="en-US"/>
           </a:p>
@@ -2724,7 +2838,7 @@
           <a:bodyPr/>
           <a:lstStyle/>
           <a:p>
-            <a:fld id="{A72AAF77-8BC3-49D1-862E-3391222F8638}" type="slidenum">
+            <a:fld id="{CF98B955-A9B9-485C-B654-B0411A7685A2}" type="slidenum">
               <a:rPr lang="en-US" smtClean="0"/>
               <a:t>‹#›</a:t>
             </a:fld>
@@ -2834,7 +2948,7 @@
     </p:spTree>
     <p:extLst>
       <p:ext uri="{BB962C8B-B14F-4D97-AF65-F5344CB8AC3E}">
-        <p14:creationId xmlns:p14="http://schemas.microsoft.com/office/powerpoint/2010/main" val="581193609"/>
+        <p14:creationId xmlns:p14="http://schemas.microsoft.com/office/powerpoint/2010/main" val="907371372"/>
       </p:ext>
     </p:extLst>
   </p:cSld>
@@ -3152,9 +3266,9 @@
           <a:bodyPr/>
           <a:lstStyle/>
           <a:p>
-            <a:fld id="{4DB66DC8-2B56-4CAF-9F0F-7E9238700318}" type="datetime1">
+            <a:fld id="{2B6ADB1A-102D-4D59-8D23-221C79C80A6E}" type="datetime1">
               <a:rPr lang="en-US" smtClean="0"/>
-              <a:t>12/1/2019</a:t>
+              <a:t>5/26/2020</a:t>
             </a:fld>
             <a:endParaRPr lang="en-US"/>
           </a:p>
@@ -3197,7 +3311,7 @@
           <a:bodyPr/>
           <a:lstStyle/>
           <a:p>
-            <a:fld id="{A72AAF77-8BC3-49D1-862E-3391222F8638}" type="slidenum">
+            <a:fld id="{CF98B955-A9B9-485C-B654-B0411A7685A2}" type="slidenum">
               <a:rPr lang="en-US" smtClean="0"/>
               <a:t>‹#›</a:t>
             </a:fld>
@@ -3239,7 +3353,7 @@
     </p:spTree>
     <p:extLst>
       <p:ext uri="{BB962C8B-B14F-4D97-AF65-F5344CB8AC3E}">
-        <p14:creationId xmlns:p14="http://schemas.microsoft.com/office/powerpoint/2010/main" val="255463035"/>
+        <p14:creationId xmlns:p14="http://schemas.microsoft.com/office/powerpoint/2010/main" val="3759137180"/>
       </p:ext>
     </p:extLst>
   </p:cSld>
@@ -3360,9 +3474,9 @@
           <a:bodyPr/>
           <a:lstStyle/>
           <a:p>
-            <a:fld id="{0727ECA8-A119-4B99-82B1-B7A33AB80932}" type="datetime1">
+            <a:fld id="{3BEF67B6-5CCC-4BE8-AB4B-75F716CE0B98}" type="datetime1">
               <a:rPr lang="en-US" smtClean="0"/>
-              <a:t>12/1/2019</a:t>
+              <a:t>5/26/2020</a:t>
             </a:fld>
             <a:endParaRPr lang="en-US"/>
           </a:p>
@@ -3405,7 +3519,7 @@
           <a:bodyPr/>
           <a:lstStyle/>
           <a:p>
-            <a:fld id="{A72AAF77-8BC3-49D1-862E-3391222F8638}" type="slidenum">
+            <a:fld id="{CF98B955-A9B9-485C-B654-B0411A7685A2}" type="slidenum">
               <a:rPr lang="en-US" smtClean="0"/>
               <a:t>‹#›</a:t>
             </a:fld>
@@ -3447,7 +3561,7 @@
     </p:spTree>
     <p:extLst>
       <p:ext uri="{BB962C8B-B14F-4D97-AF65-F5344CB8AC3E}">
-        <p14:creationId xmlns:p14="http://schemas.microsoft.com/office/powerpoint/2010/main" val="3226772378"/>
+        <p14:creationId xmlns:p14="http://schemas.microsoft.com/office/powerpoint/2010/main" val="2836153500"/>
       </p:ext>
     </p:extLst>
   </p:cSld>
@@ -3574,9 +3688,9 @@
           <a:bodyPr/>
           <a:lstStyle/>
           <a:p>
-            <a:fld id="{CC590E9D-7BDA-4BEE-B456-1E91AF177D52}" type="datetime1">
+            <a:fld id="{BF489A48-B605-49E3-8017-333EDE9B7786}" type="datetime1">
               <a:rPr lang="en-US" smtClean="0"/>
-              <a:t>12/1/2019</a:t>
+              <a:t>5/26/2020</a:t>
             </a:fld>
             <a:endParaRPr lang="en-US"/>
           </a:p>
@@ -3619,7 +3733,7 @@
           <a:bodyPr/>
           <a:lstStyle/>
           <a:p>
-            <a:fld id="{A72AAF77-8BC3-49D1-862E-3391222F8638}" type="slidenum">
+            <a:fld id="{CF98B955-A9B9-485C-B654-B0411A7685A2}" type="slidenum">
               <a:rPr lang="en-US" smtClean="0"/>
               <a:t>‹#›</a:t>
             </a:fld>
@@ -3661,7 +3775,7 @@
     </p:spTree>
     <p:extLst>
       <p:ext uri="{BB962C8B-B14F-4D97-AF65-F5344CB8AC3E}">
-        <p14:creationId xmlns:p14="http://schemas.microsoft.com/office/powerpoint/2010/main" val="2649676672"/>
+        <p14:creationId xmlns:p14="http://schemas.microsoft.com/office/powerpoint/2010/main" val="2767852907"/>
       </p:ext>
     </p:extLst>
   </p:cSld>
@@ -3809,9 +3923,9 @@
           <a:bodyPr/>
           <a:lstStyle/>
           <a:p>
-            <a:fld id="{16FA741F-A1E1-4589-8EB4-894FDA113C29}" type="datetime1">
+            <a:fld id="{F345045E-E86A-4275-980C-4840E63C845E}" type="datetime1">
               <a:rPr lang="en-US" smtClean="0"/>
-              <a:t>12/1/2019</a:t>
+              <a:t>5/26/2020</a:t>
             </a:fld>
             <a:endParaRPr lang="en-US"/>
           </a:p>
@@ -3854,7 +3968,7 @@
           <a:bodyPr/>
           <a:lstStyle/>
           <a:p>
-            <a:fld id="{A72AAF77-8BC3-49D1-862E-3391222F8638}" type="slidenum">
+            <a:fld id="{CF98B955-A9B9-485C-B654-B0411A7685A2}" type="slidenum">
               <a:rPr lang="en-US" smtClean="0"/>
               <a:t>‹#›</a:t>
             </a:fld>
@@ -3865,7 +3979,7 @@
     </p:spTree>
     <p:extLst>
       <p:ext uri="{BB962C8B-B14F-4D97-AF65-F5344CB8AC3E}">
-        <p14:creationId xmlns:p14="http://schemas.microsoft.com/office/powerpoint/2010/main" val="4264758787"/>
+        <p14:creationId xmlns:p14="http://schemas.microsoft.com/office/powerpoint/2010/main" val="4160090403"/>
       </p:ext>
     </p:extLst>
   </p:cSld>
@@ -4060,9 +4174,9 @@
           <a:bodyPr/>
           <a:lstStyle/>
           <a:p>
-            <a:fld id="{0B0EB74B-7223-46BC-9329-CCAC1FABCFCE}" type="datetime1">
+            <a:fld id="{EF327A86-4218-4B36-8237-2B8A1413E8B5}" type="datetime1">
               <a:rPr lang="en-US" smtClean="0"/>
-              <a:t>12/1/2019</a:t>
+              <a:t>5/26/2020</a:t>
             </a:fld>
             <a:endParaRPr lang="en-US"/>
           </a:p>
@@ -4105,7 +4219,7 @@
           <a:bodyPr/>
           <a:lstStyle/>
           <a:p>
-            <a:fld id="{A72AAF77-8BC3-49D1-862E-3391222F8638}" type="slidenum">
+            <a:fld id="{CF98B955-A9B9-485C-B654-B0411A7685A2}" type="slidenum">
               <a:rPr lang="en-US" smtClean="0"/>
               <a:t>‹#›</a:t>
             </a:fld>
@@ -4147,7 +4261,7 @@
     </p:spTree>
     <p:extLst>
       <p:ext uri="{BB962C8B-B14F-4D97-AF65-F5344CB8AC3E}">
-        <p14:creationId xmlns:p14="http://schemas.microsoft.com/office/powerpoint/2010/main" val="2900050566"/>
+        <p14:creationId xmlns:p14="http://schemas.microsoft.com/office/powerpoint/2010/main" val="57437892"/>
       </p:ext>
     </p:extLst>
   </p:cSld>
@@ -4361,9 +4475,9 @@
           <a:bodyPr/>
           <a:lstStyle/>
           <a:p>
-            <a:fld id="{3035FDAA-9FEA-440E-B915-7AD80DE73119}" type="datetime1">
+            <a:fld id="{58556CE4-4976-4C50-9FD4-DE612051024F}" type="datetime1">
               <a:rPr lang="en-US" smtClean="0"/>
-              <a:t>12/1/2019</a:t>
+              <a:t>5/26/2020</a:t>
             </a:fld>
             <a:endParaRPr lang="en-US"/>
           </a:p>
@@ -4406,7 +4520,7 @@
           <a:bodyPr/>
           <a:lstStyle/>
           <a:p>
-            <a:fld id="{A72AAF77-8BC3-49D1-862E-3391222F8638}" type="slidenum">
+            <a:fld id="{CF98B955-A9B9-485C-B654-B0411A7685A2}" type="slidenum">
               <a:rPr lang="en-US" smtClean="0"/>
               <a:t>‹#›</a:t>
             </a:fld>
@@ -4417,7 +4531,7 @@
     </p:spTree>
     <p:extLst>
       <p:ext uri="{BB962C8B-B14F-4D97-AF65-F5344CB8AC3E}">
-        <p14:creationId xmlns:p14="http://schemas.microsoft.com/office/powerpoint/2010/main" val="694483096"/>
+        <p14:creationId xmlns:p14="http://schemas.microsoft.com/office/powerpoint/2010/main" val="1574888469"/>
       </p:ext>
     </p:extLst>
   </p:cSld>
@@ -4758,9 +4872,9 @@
           <a:bodyPr/>
           <a:lstStyle/>
           <a:p>
-            <a:fld id="{02701381-2367-45CB-BC90-CECE88FE929E}" type="datetime1">
+            <a:fld id="{0331BFEA-2AFC-42F0-80F3-E4442ED1B827}" type="datetime1">
               <a:rPr lang="en-US" smtClean="0"/>
-              <a:t>12/1/2019</a:t>
+              <a:t>5/26/2020</a:t>
             </a:fld>
             <a:endParaRPr lang="en-US"/>
           </a:p>
@@ -4803,7 +4917,7 @@
           <a:bodyPr/>
           <a:lstStyle/>
           <a:p>
-            <a:fld id="{A72AAF77-8BC3-49D1-862E-3391222F8638}" type="slidenum">
+            <a:fld id="{CF98B955-A9B9-485C-B654-B0411A7685A2}" type="slidenum">
               <a:rPr lang="en-US" smtClean="0"/>
               <a:t>‹#›</a:t>
             </a:fld>
@@ -4845,7 +4959,7 @@
     </p:spTree>
     <p:extLst>
       <p:ext uri="{BB962C8B-B14F-4D97-AF65-F5344CB8AC3E}">
-        <p14:creationId xmlns:p14="http://schemas.microsoft.com/office/powerpoint/2010/main" val="2319796194"/>
+        <p14:creationId xmlns:p14="http://schemas.microsoft.com/office/powerpoint/2010/main" val="1722188468"/>
       </p:ext>
     </p:extLst>
   </p:cSld>
@@ -4910,9 +5024,9 @@
           <a:bodyPr/>
           <a:lstStyle/>
           <a:p>
-            <a:fld id="{E1F3AB00-8F0D-4FB9-806E-1B74FD7C6647}" type="datetime1">
+            <a:fld id="{FFC2E3DF-D968-4EC0-A81D-3A15F67C99FC}" type="datetime1">
               <a:rPr lang="en-US" smtClean="0"/>
-              <a:t>12/1/2019</a:t>
+              <a:t>5/26/2020</a:t>
             </a:fld>
             <a:endParaRPr lang="en-US"/>
           </a:p>
@@ -4955,7 +5069,7 @@
           <a:bodyPr/>
           <a:lstStyle/>
           <a:p>
-            <a:fld id="{A72AAF77-8BC3-49D1-862E-3391222F8638}" type="slidenum">
+            <a:fld id="{CF98B955-A9B9-485C-B654-B0411A7685A2}" type="slidenum">
               <a:rPr lang="en-US" smtClean="0"/>
               <a:t>‹#›</a:t>
             </a:fld>
@@ -4997,7 +5111,7 @@
     </p:spTree>
     <p:extLst>
       <p:ext uri="{BB962C8B-B14F-4D97-AF65-F5344CB8AC3E}">
-        <p14:creationId xmlns:p14="http://schemas.microsoft.com/office/powerpoint/2010/main" val="1734783078"/>
+        <p14:creationId xmlns:p14="http://schemas.microsoft.com/office/powerpoint/2010/main" val="763045592"/>
       </p:ext>
     </p:extLst>
   </p:cSld>
@@ -5039,9 +5153,9 @@
           <a:bodyPr/>
           <a:lstStyle/>
           <a:p>
-            <a:fld id="{09A5CB20-34D2-4801-9ABF-C1C08E98C895}" type="datetime1">
+            <a:fld id="{5CD7B8A4-3E4F-4826-8C2C-E00961295F20}" type="datetime1">
               <a:rPr lang="en-US" smtClean="0"/>
-              <a:t>12/1/2019</a:t>
+              <a:t>5/26/2020</a:t>
             </a:fld>
             <a:endParaRPr lang="en-US"/>
           </a:p>
@@ -5084,7 +5198,7 @@
           <a:bodyPr/>
           <a:lstStyle/>
           <a:p>
-            <a:fld id="{A72AAF77-8BC3-49D1-862E-3391222F8638}" type="slidenum">
+            <a:fld id="{CF98B955-A9B9-485C-B654-B0411A7685A2}" type="slidenum">
               <a:rPr lang="en-US" smtClean="0"/>
               <a:t>‹#›</a:t>
             </a:fld>
@@ -5095,7 +5209,7 @@
     </p:spTree>
     <p:extLst>
       <p:ext uri="{BB962C8B-B14F-4D97-AF65-F5344CB8AC3E}">
-        <p14:creationId xmlns:p14="http://schemas.microsoft.com/office/powerpoint/2010/main" val="3360686445"/>
+        <p14:creationId xmlns:p14="http://schemas.microsoft.com/office/powerpoint/2010/main" val="74389623"/>
       </p:ext>
     </p:extLst>
   </p:cSld>
@@ -5297,9 +5411,9 @@
           <a:bodyPr/>
           <a:lstStyle/>
           <a:p>
-            <a:fld id="{F44AE9F0-A5A2-4ECC-8C08-DBD1D5473EE3}" type="datetime1">
+            <a:fld id="{CAF43EC7-DF24-4571-A346-F85B6C1080C5}" type="datetime1">
               <a:rPr lang="en-US" smtClean="0"/>
-              <a:t>12/1/2019</a:t>
+              <a:t>5/26/2020</a:t>
             </a:fld>
             <a:endParaRPr lang="en-US"/>
           </a:p>
@@ -5342,7 +5456,7 @@
           <a:bodyPr/>
           <a:lstStyle/>
           <a:p>
-            <a:fld id="{A72AAF77-8BC3-49D1-862E-3391222F8638}" type="slidenum">
+            <a:fld id="{CF98B955-A9B9-485C-B654-B0411A7685A2}" type="slidenum">
               <a:rPr lang="en-US" smtClean="0"/>
               <a:t>‹#›</a:t>
             </a:fld>
@@ -5384,7 +5498,7 @@
     </p:spTree>
     <p:extLst>
       <p:ext uri="{BB962C8B-B14F-4D97-AF65-F5344CB8AC3E}">
-        <p14:creationId xmlns:p14="http://schemas.microsoft.com/office/powerpoint/2010/main" val="3891174920"/>
+        <p14:creationId xmlns:p14="http://schemas.microsoft.com/office/powerpoint/2010/main" val="2293281977"/>
       </p:ext>
     </p:extLst>
   </p:cSld>
@@ -5615,9 +5729,9 @@
           <a:bodyPr/>
           <a:lstStyle/>
           <a:p>
-            <a:fld id="{8C301B00-7942-415A-9301-5D2E5FE6FFF1}" type="datetime1">
+            <a:fld id="{4C8A3EB7-6EDC-4336-8B22-1BEB2A06B510}" type="datetime1">
               <a:rPr lang="en-US" smtClean="0"/>
-              <a:t>12/1/2019</a:t>
+              <a:t>5/26/2020</a:t>
             </a:fld>
             <a:endParaRPr lang="en-US"/>
           </a:p>
@@ -5660,7 +5774,7 @@
           <a:bodyPr/>
           <a:lstStyle/>
           <a:p>
-            <a:fld id="{A72AAF77-8BC3-49D1-862E-3391222F8638}" type="slidenum">
+            <a:fld id="{CF98B955-A9B9-485C-B654-B0411A7685A2}" type="slidenum">
               <a:rPr lang="en-US" smtClean="0"/>
               <a:t>‹#›</a:t>
             </a:fld>
@@ -5671,7 +5785,7 @@
     </p:spTree>
     <p:extLst>
       <p:ext uri="{BB962C8B-B14F-4D97-AF65-F5344CB8AC3E}">
-        <p14:creationId xmlns:p14="http://schemas.microsoft.com/office/powerpoint/2010/main" val="3497330006"/>
+        <p14:creationId xmlns:p14="http://schemas.microsoft.com/office/powerpoint/2010/main" val="1808424900"/>
       </p:ext>
     </p:extLst>
   </p:cSld>
@@ -5969,9 +6083,9 @@
             </a:lvl1pPr>
           </a:lstStyle>
           <a:p>
-            <a:fld id="{6017058B-E7DF-4C30-A894-58DF7FC9D4DE}" type="datetime1">
+            <a:fld id="{CEA35C8D-EF70-4404-8D6B-7AD1B7801BDB}" type="datetime1">
               <a:rPr lang="en-US" smtClean="0"/>
-              <a:t>12/1/2019</a:t>
+              <a:t>5/26/2020</a:t>
             </a:fld>
             <a:endParaRPr lang="en-US"/>
           </a:p>
@@ -6050,7 +6164,7 @@
             </a:lvl1pPr>
           </a:lstStyle>
           <a:p>
-            <a:fld id="{A72AAF77-8BC3-49D1-862E-3391222F8638}" type="slidenum">
+            <a:fld id="{CF98B955-A9B9-485C-B654-B0411A7685A2}" type="slidenum">
               <a:rPr lang="en-US" smtClean="0"/>
               <a:t>‹#›</a:t>
             </a:fld>
@@ -6061,29 +6175,29 @@
     </p:spTree>
     <p:extLst>
       <p:ext uri="{BB962C8B-B14F-4D97-AF65-F5344CB8AC3E}">
-        <p14:creationId xmlns:p14="http://schemas.microsoft.com/office/powerpoint/2010/main" val="3031273882"/>
+        <p14:creationId xmlns:p14="http://schemas.microsoft.com/office/powerpoint/2010/main" val="3839460452"/>
       </p:ext>
     </p:extLst>
   </p:cSld>
   <p:clrMap bg1="lt1" tx1="dk1" bg2="lt2" tx2="dk2" accent1="accent1" accent2="accent2" accent3="accent3" accent4="accent4" accent5="accent5" accent6="accent6" hlink="hlink" folHlink="folHlink"/>
   <p:sldLayoutIdLst>
-    <p:sldLayoutId id="2147483678" r:id="rId1"/>
-    <p:sldLayoutId id="2147483679" r:id="rId2"/>
-    <p:sldLayoutId id="2147483680" r:id="rId3"/>
-    <p:sldLayoutId id="2147483681" r:id="rId4"/>
-    <p:sldLayoutId id="2147483682" r:id="rId5"/>
-    <p:sldLayoutId id="2147483683" r:id="rId6"/>
-    <p:sldLayoutId id="2147483684" r:id="rId7"/>
-    <p:sldLayoutId id="2147483685" r:id="rId8"/>
-    <p:sldLayoutId id="2147483686" r:id="rId9"/>
-    <p:sldLayoutId id="2147483687" r:id="rId10"/>
-    <p:sldLayoutId id="2147483688" r:id="rId11"/>
-    <p:sldLayoutId id="2147483689" r:id="rId12"/>
-    <p:sldLayoutId id="2147483690" r:id="rId13"/>
-    <p:sldLayoutId id="2147483691" r:id="rId14"/>
-    <p:sldLayoutId id="2147483692" r:id="rId15"/>
-    <p:sldLayoutId id="2147483693" r:id="rId16"/>
-    <p:sldLayoutId id="2147483694" r:id="rId17"/>
+    <p:sldLayoutId id="2147483696" r:id="rId1"/>
+    <p:sldLayoutId id="2147483697" r:id="rId2"/>
+    <p:sldLayoutId id="2147483698" r:id="rId3"/>
+    <p:sldLayoutId id="2147483699" r:id="rId4"/>
+    <p:sldLayoutId id="2147483700" r:id="rId5"/>
+    <p:sldLayoutId id="2147483701" r:id="rId6"/>
+    <p:sldLayoutId id="2147483702" r:id="rId7"/>
+    <p:sldLayoutId id="2147483703" r:id="rId8"/>
+    <p:sldLayoutId id="2147483704" r:id="rId9"/>
+    <p:sldLayoutId id="2147483705" r:id="rId10"/>
+    <p:sldLayoutId id="2147483706" r:id="rId11"/>
+    <p:sldLayoutId id="2147483707" r:id="rId12"/>
+    <p:sldLayoutId id="2147483708" r:id="rId13"/>
+    <p:sldLayoutId id="2147483709" r:id="rId14"/>
+    <p:sldLayoutId id="2147483710" r:id="rId15"/>
+    <p:sldLayoutId id="2147483711" r:id="rId16"/>
+    <p:sldLayoutId id="2147483712" r:id="rId17"/>
   </p:sldLayoutIdLst>
   <p:hf hdr="0" dt="0"/>
   <p:txStyles>
@@ -6523,7 +6637,7 @@
           <p:cNvPr id="2" name="Title 1">
             <a:extLst>
               <a:ext uri="{FF2B5EF4-FFF2-40B4-BE49-F238E27FC236}">
-                <a16:creationId xmlns:a16="http://schemas.microsoft.com/office/drawing/2014/main" id="{0BA92CE0-F834-4C05-97E4-CAAD7F34856C}"/>
+                <a16:creationId xmlns:a16="http://schemas.microsoft.com/office/drawing/2014/main" id="{B63838DF-056C-4D0F-9D9B-E96BF3B366F7}"/>
               </a:ext>
             </a:extLst>
           </p:cNvPr>
@@ -6551,7 +6665,7 @@
           <p:cNvPr id="3" name="Subtitle 2">
             <a:extLst>
               <a:ext uri="{FF2B5EF4-FFF2-40B4-BE49-F238E27FC236}">
-                <a16:creationId xmlns:a16="http://schemas.microsoft.com/office/drawing/2014/main" id="{72224052-A5F4-440B-8579-F6F05ABEE07B}"/>
+                <a16:creationId xmlns:a16="http://schemas.microsoft.com/office/drawing/2014/main" id="{A937C227-D924-48F6-BC3C-4970457506CE}"/>
               </a:ext>
             </a:extLst>
           </p:cNvPr>
@@ -6580,67 +6694,10 @@
           </a:p>
         </p:txBody>
       </p:sp>
-      <p:sp>
-        <p:nvSpPr>
-          <p:cNvPr id="4" name="Footer Placeholder 3">
-            <a:extLst>
-              <a:ext uri="{FF2B5EF4-FFF2-40B4-BE49-F238E27FC236}">
-                <a16:creationId xmlns:a16="http://schemas.microsoft.com/office/drawing/2014/main" id="{B91AE46A-FA74-45AF-ABA2-EB34CEA0483E}"/>
-              </a:ext>
-            </a:extLst>
-          </p:cNvPr>
-          <p:cNvSpPr>
-            <a:spLocks noGrp="1"/>
-          </p:cNvSpPr>
-          <p:nvPr>
-            <p:ph type="ftr" sz="quarter" idx="11"/>
-          </p:nvPr>
-        </p:nvSpPr>
-        <p:spPr/>
-        <p:txBody>
-          <a:bodyPr/>
-          <a:lstStyle/>
-          <a:p>
-            <a:r>
-              <a:rPr lang="en-US"/>
-              <a:t>KWT Overview</a:t>
-            </a:r>
-          </a:p>
-        </p:txBody>
-      </p:sp>
-      <p:sp>
-        <p:nvSpPr>
-          <p:cNvPr id="5" name="Slide Number Placeholder 4">
-            <a:extLst>
-              <a:ext uri="{FF2B5EF4-FFF2-40B4-BE49-F238E27FC236}">
-                <a16:creationId xmlns:a16="http://schemas.microsoft.com/office/drawing/2014/main" id="{1D36F189-20F8-4523-A05C-DEE064AC4BF1}"/>
-              </a:ext>
-            </a:extLst>
-          </p:cNvPr>
-          <p:cNvSpPr>
-            <a:spLocks noGrp="1"/>
-          </p:cNvSpPr>
-          <p:nvPr>
-            <p:ph type="sldNum" sz="quarter" idx="12"/>
-          </p:nvPr>
-        </p:nvSpPr>
-        <p:spPr/>
-        <p:txBody>
-          <a:bodyPr/>
-          <a:lstStyle/>
-          <a:p>
-            <a:fld id="{A72AAF77-8BC3-49D1-862E-3391222F8638}" type="slidenum">
-              <a:rPr lang="en-US" smtClean="0"/>
-              <a:t>1</a:t>
-            </a:fld>
-            <a:endParaRPr lang="en-US"/>
-          </a:p>
-        </p:txBody>
-      </p:sp>
     </p:spTree>
     <p:extLst>
       <p:ext uri="{BB962C8B-B14F-4D97-AF65-F5344CB8AC3E}">
-        <p14:creationId xmlns:p14="http://schemas.microsoft.com/office/powerpoint/2010/main" val="4102434265"/>
+        <p14:creationId xmlns:p14="http://schemas.microsoft.com/office/powerpoint/2010/main" val="953197594"/>
       </p:ext>
     </p:extLst>
   </p:cSld>
@@ -6672,7 +6729,7 @@
           <p:cNvPr id="2" name="Title 1">
             <a:extLst>
               <a:ext uri="{FF2B5EF4-FFF2-40B4-BE49-F238E27FC236}">
-                <a16:creationId xmlns:a16="http://schemas.microsoft.com/office/drawing/2014/main" id="{4D3DE297-BF5D-408B-925C-6FAA38082C0A}"/>
+                <a16:creationId xmlns:a16="http://schemas.microsoft.com/office/drawing/2014/main" id="{10389010-4D7B-4F14-BBB2-2B6AEF5507DA}"/>
               </a:ext>
             </a:extLst>
           </p:cNvPr>
@@ -6700,7 +6757,7 @@
           <p:cNvPr id="6" name="Picture Placeholder 5" descr="A view of a mountain&#10;&#10;Description automatically generated">
             <a:extLst>
               <a:ext uri="{FF2B5EF4-FFF2-40B4-BE49-F238E27FC236}">
-                <a16:creationId xmlns:a16="http://schemas.microsoft.com/office/drawing/2014/main" id="{A4AAECEE-AB32-47CB-92C5-231A98CF6092}"/>
+                <a16:creationId xmlns:a16="http://schemas.microsoft.com/office/drawing/2014/main" id="{A74DD8B0-1B17-4271-B425-44DD7F2C155F}"/>
               </a:ext>
             </a:extLst>
           </p:cNvPr>
@@ -6712,7 +6769,7 @@
           </p:nvPr>
         </p:nvPicPr>
         <p:blipFill>
-          <a:blip r:embed="rId2">
+          <a:blip r:embed="rId3">
             <a:extLst>
               <a:ext uri="{28A0092B-C50C-407E-A947-70E740481C1C}">
                 <a14:useLocalDpi xmlns:a14="http://schemas.microsoft.com/office/drawing/2010/main" val="0"/>
@@ -6731,7 +6788,7 @@
           <p:cNvPr id="4" name="Text Placeholder 3">
             <a:extLst>
               <a:ext uri="{FF2B5EF4-FFF2-40B4-BE49-F238E27FC236}">
-                <a16:creationId xmlns:a16="http://schemas.microsoft.com/office/drawing/2014/main" id="{86C9FD16-C7B0-401B-8E5F-A74B48389036}"/>
+                <a16:creationId xmlns:a16="http://schemas.microsoft.com/office/drawing/2014/main" id="{5F1B147B-41A9-4A7D-9D23-7A1CDCE60116}"/>
               </a:ext>
             </a:extLst>
           </p:cNvPr>
@@ -6744,14 +6801,12 @@
         </p:nvSpPr>
         <p:spPr/>
         <p:txBody>
-          <a:bodyPr>
-            <a:normAutofit lnSpcReduction="10000"/>
-          </a:bodyPr>
+          <a:bodyPr/>
           <a:lstStyle/>
           <a:p>
             <a:r>
               <a:rPr lang="en-US" dirty="0"/>
-              <a:t>Whether you want to trek on a glacier or spend your time in quiet solitude, Kodiak west Travel can make your dream a reality. If you can dream it, we can help you get there.  </a:t>
+              <a:t>Whether you want to trek on a glacier or spend your time in quiet solitude, Kodiak West Travel can make your dream a reality. </a:t>
             </a:r>
           </a:p>
         </p:txBody>
@@ -6761,7 +6816,7 @@
           <p:cNvPr id="7" name="Footer Placeholder 6">
             <a:extLst>
               <a:ext uri="{FF2B5EF4-FFF2-40B4-BE49-F238E27FC236}">
-                <a16:creationId xmlns:a16="http://schemas.microsoft.com/office/drawing/2014/main" id="{C0FB1CD9-E85D-480E-8E98-4E70954E26E2}"/>
+                <a16:creationId xmlns:a16="http://schemas.microsoft.com/office/drawing/2014/main" id="{D88BB9AD-07A6-4A79-8CD5-CBD62448FB70}"/>
               </a:ext>
             </a:extLst>
           </p:cNvPr>
@@ -6789,7 +6844,7 @@
           <p:cNvPr id="8" name="Slide Number Placeholder 7">
             <a:extLst>
               <a:ext uri="{FF2B5EF4-FFF2-40B4-BE49-F238E27FC236}">
-                <a16:creationId xmlns:a16="http://schemas.microsoft.com/office/drawing/2014/main" id="{B22725AC-D233-4BE1-8E31-F2671BE0A269}"/>
+                <a16:creationId xmlns:a16="http://schemas.microsoft.com/office/drawing/2014/main" id="{31B29BC0-1204-4859-97D2-A4625A922F49}"/>
               </a:ext>
             </a:extLst>
           </p:cNvPr>
@@ -6805,7 +6860,7 @@
           <a:bodyPr/>
           <a:lstStyle/>
           <a:p>
-            <a:fld id="{A72AAF77-8BC3-49D1-862E-3391222F8638}" type="slidenum">
+            <a:fld id="{CF98B955-A9B9-485C-B654-B0411A7685A2}" type="slidenum">
               <a:rPr lang="en-US" smtClean="0"/>
               <a:t>2</a:t>
             </a:fld>
@@ -6816,7 +6871,7 @@
     </p:spTree>
     <p:extLst>
       <p:ext uri="{BB962C8B-B14F-4D97-AF65-F5344CB8AC3E}">
-        <p14:creationId xmlns:p14="http://schemas.microsoft.com/office/powerpoint/2010/main" val="3533783178"/>
+        <p14:creationId xmlns:p14="http://schemas.microsoft.com/office/powerpoint/2010/main" val="104195453"/>
       </p:ext>
     </p:extLst>
   </p:cSld>
@@ -6848,7 +6903,7 @@
           <p:cNvPr id="2" name="Title 1">
             <a:extLst>
               <a:ext uri="{FF2B5EF4-FFF2-40B4-BE49-F238E27FC236}">
-                <a16:creationId xmlns:a16="http://schemas.microsoft.com/office/drawing/2014/main" id="{3310CFB4-F5BD-45CC-9A33-F0F108F7DBDC}"/>
+                <a16:creationId xmlns:a16="http://schemas.microsoft.com/office/drawing/2014/main" id="{1E675FD3-F684-4C7C-BF00-DBAEB78F7E99}"/>
               </a:ext>
             </a:extLst>
           </p:cNvPr>
@@ -6876,7 +6931,7 @@
           <p:cNvPr id="3" name="Content Placeholder 2">
             <a:extLst>
               <a:ext uri="{FF2B5EF4-FFF2-40B4-BE49-F238E27FC236}">
-                <a16:creationId xmlns:a16="http://schemas.microsoft.com/office/drawing/2014/main" id="{8815A6F4-C528-4B6F-A6EA-474AD052A214}"/>
+                <a16:creationId xmlns:a16="http://schemas.microsoft.com/office/drawing/2014/main" id="{496F99E8-8157-4770-8E71-269ED697E562}"/>
               </a:ext>
             </a:extLst>
           </p:cNvPr>
@@ -6914,7 +6969,7 @@
             <a:pPr lvl="1"/>
             <a:r>
               <a:rPr lang="en-US" dirty="0"/>
-              <a:t>Pacific Northwest, including U.S. and Canada</a:t>
+              <a:t>Pacific Northwest including U. S. and Canada</a:t>
             </a:r>
           </a:p>
         </p:txBody>
@@ -6924,7 +6979,7 @@
           <p:cNvPr id="4" name="Footer Placeholder 3">
             <a:extLst>
               <a:ext uri="{FF2B5EF4-FFF2-40B4-BE49-F238E27FC236}">
-                <a16:creationId xmlns:a16="http://schemas.microsoft.com/office/drawing/2014/main" id="{C8C59596-CEDE-4073-A777-CF140C25E3F3}"/>
+                <a16:creationId xmlns:a16="http://schemas.microsoft.com/office/drawing/2014/main" id="{D5B8F9BD-774B-4A17-9936-A82E8D53FF0D}"/>
               </a:ext>
             </a:extLst>
           </p:cNvPr>
@@ -6952,7 +7007,7 @@
           <p:cNvPr id="5" name="Slide Number Placeholder 4">
             <a:extLst>
               <a:ext uri="{FF2B5EF4-FFF2-40B4-BE49-F238E27FC236}">
-                <a16:creationId xmlns:a16="http://schemas.microsoft.com/office/drawing/2014/main" id="{20DB21F0-57C2-4194-A66F-3B429AF475FD}"/>
+                <a16:creationId xmlns:a16="http://schemas.microsoft.com/office/drawing/2014/main" id="{40F3C722-DADC-4449-B902-DBD495A59999}"/>
               </a:ext>
             </a:extLst>
           </p:cNvPr>
@@ -6968,7 +7023,7 @@
           <a:bodyPr/>
           <a:lstStyle/>
           <a:p>
-            <a:fld id="{A72AAF77-8BC3-49D1-862E-3391222F8638}" type="slidenum">
+            <a:fld id="{CF98B955-A9B9-485C-B654-B0411A7685A2}" type="slidenum">
               <a:rPr lang="en-US" smtClean="0"/>
               <a:t>3</a:t>
             </a:fld>
@@ -6979,7 +7034,7 @@
     </p:spTree>
     <p:extLst>
       <p:ext uri="{BB962C8B-B14F-4D97-AF65-F5344CB8AC3E}">
-        <p14:creationId xmlns:p14="http://schemas.microsoft.com/office/powerpoint/2010/main" val="2155011742"/>
+        <p14:creationId xmlns:p14="http://schemas.microsoft.com/office/powerpoint/2010/main" val="3232909528"/>
       </p:ext>
     </p:extLst>
   </p:cSld>
@@ -7011,7 +7066,7 @@
           <p:cNvPr id="2" name="Title 1">
             <a:extLst>
               <a:ext uri="{FF2B5EF4-FFF2-40B4-BE49-F238E27FC236}">
-                <a16:creationId xmlns:a16="http://schemas.microsoft.com/office/drawing/2014/main" id="{B088587C-F712-4C34-B3BD-1696B3FEEBB4}"/>
+                <a16:creationId xmlns:a16="http://schemas.microsoft.com/office/drawing/2014/main" id="{15DD5817-DB78-48AD-ADAA-8FF1B0354A79}"/>
               </a:ext>
             </a:extLst>
           </p:cNvPr>
@@ -7039,7 +7094,7 @@
           <p:cNvPr id="5" name="Content Placeholder 4">
             <a:extLst>
               <a:ext uri="{FF2B5EF4-FFF2-40B4-BE49-F238E27FC236}">
-                <a16:creationId xmlns:a16="http://schemas.microsoft.com/office/drawing/2014/main" id="{274528E2-AD4E-45DF-91C1-7EDB2B3C60ED}"/>
+                <a16:creationId xmlns:a16="http://schemas.microsoft.com/office/drawing/2014/main" id="{F4AB10D6-4D59-4A77-AA28-E91D8D99198B}"/>
               </a:ext>
             </a:extLst>
           </p:cNvPr>
@@ -7091,7 +7146,7 @@
           <p:cNvPr id="6" name="Footer Placeholder 5">
             <a:extLst>
               <a:ext uri="{FF2B5EF4-FFF2-40B4-BE49-F238E27FC236}">
-                <a16:creationId xmlns:a16="http://schemas.microsoft.com/office/drawing/2014/main" id="{2ED43E60-CFBC-4ACB-A0A9-8CB8A0E278DB}"/>
+                <a16:creationId xmlns:a16="http://schemas.microsoft.com/office/drawing/2014/main" id="{C610D476-8E74-4102-86AD-B2083DAB6419}"/>
               </a:ext>
             </a:extLst>
           </p:cNvPr>
@@ -7119,7 +7174,7 @@
           <p:cNvPr id="7" name="Slide Number Placeholder 6">
             <a:extLst>
               <a:ext uri="{FF2B5EF4-FFF2-40B4-BE49-F238E27FC236}">
-                <a16:creationId xmlns:a16="http://schemas.microsoft.com/office/drawing/2014/main" id="{5851AE85-5D12-4269-BC33-49019C3C6C02}"/>
+                <a16:creationId xmlns:a16="http://schemas.microsoft.com/office/drawing/2014/main" id="{ADCD6589-BCA5-47B2-BC4B-EBD706A68F3B}"/>
               </a:ext>
             </a:extLst>
           </p:cNvPr>
@@ -7135,7 +7190,7 @@
           <a:bodyPr/>
           <a:lstStyle/>
           <a:p>
-            <a:fld id="{A72AAF77-8BC3-49D1-862E-3391222F8638}" type="slidenum">
+            <a:fld id="{CF98B955-A9B9-485C-B654-B0411A7685A2}" type="slidenum">
               <a:rPr lang="en-US" smtClean="0"/>
               <a:t>4</a:t>
             </a:fld>
@@ -7146,7 +7201,7 @@
     </p:spTree>
     <p:extLst>
       <p:ext uri="{BB962C8B-B14F-4D97-AF65-F5344CB8AC3E}">
-        <p14:creationId xmlns:p14="http://schemas.microsoft.com/office/powerpoint/2010/main" val="475204983"/>
+        <p14:creationId xmlns:p14="http://schemas.microsoft.com/office/powerpoint/2010/main" val="1991338273"/>
       </p:ext>
     </p:extLst>
   </p:cSld>
@@ -7178,7 +7233,7 @@
           <p:cNvPr id="2" name="Title 1">
             <a:extLst>
               <a:ext uri="{FF2B5EF4-FFF2-40B4-BE49-F238E27FC236}">
-                <a16:creationId xmlns:a16="http://schemas.microsoft.com/office/drawing/2014/main" id="{DBB60271-7C91-480F-8B22-061FED556F61}"/>
+                <a16:creationId xmlns:a16="http://schemas.microsoft.com/office/drawing/2014/main" id="{3A50D436-9B22-4564-9873-3FF866BB2272}"/>
               </a:ext>
             </a:extLst>
           </p:cNvPr>
@@ -7206,7 +7261,7 @@
           <p:cNvPr id="3" name="Text Placeholder 2">
             <a:extLst>
               <a:ext uri="{FF2B5EF4-FFF2-40B4-BE49-F238E27FC236}">
-                <a16:creationId xmlns:a16="http://schemas.microsoft.com/office/drawing/2014/main" id="{B401AFD2-5DFA-49CF-9F32-5CE5E1AE6CD7}"/>
+                <a16:creationId xmlns:a16="http://schemas.microsoft.com/office/drawing/2014/main" id="{E168AE11-8DB9-42B9-BD1B-53EBB169C67B}"/>
               </a:ext>
             </a:extLst>
           </p:cNvPr>
@@ -7234,7 +7289,7 @@
             </a:r>
             <a:r>
               <a:rPr lang="en-US" dirty="0"/>
-              <a:t> and Mariam Dorner, two Alaska residents whose sense of adventure and commitment to ecotourism is an inherent aspect of their travel itineraries.</a:t>
+              <a:t> and Mariam Dorner, two Alaska residents whose sense of adventure and commitment to ecotourism is an inherent aspect of their travel itineraries. </a:t>
             </a:r>
           </a:p>
         </p:txBody>
@@ -7244,7 +7299,7 @@
           <p:cNvPr id="4" name="Footer Placeholder 3">
             <a:extLst>
               <a:ext uri="{FF2B5EF4-FFF2-40B4-BE49-F238E27FC236}">
-                <a16:creationId xmlns:a16="http://schemas.microsoft.com/office/drawing/2014/main" id="{D379032D-7CA2-4A09-8F32-C80E022304CE}"/>
+                <a16:creationId xmlns:a16="http://schemas.microsoft.com/office/drawing/2014/main" id="{77E76F78-3590-493C-878D-2D247AA782F1}"/>
               </a:ext>
             </a:extLst>
           </p:cNvPr>
@@ -7272,7 +7327,7 @@
           <p:cNvPr id="5" name="Slide Number Placeholder 4">
             <a:extLst>
               <a:ext uri="{FF2B5EF4-FFF2-40B4-BE49-F238E27FC236}">
-                <a16:creationId xmlns:a16="http://schemas.microsoft.com/office/drawing/2014/main" id="{76A0A95D-212B-4C71-9D24-6877D957FA46}"/>
+                <a16:creationId xmlns:a16="http://schemas.microsoft.com/office/drawing/2014/main" id="{6500D777-8617-4710-80CB-AA2FAEA3A72C}"/>
               </a:ext>
             </a:extLst>
           </p:cNvPr>
@@ -7288,7 +7343,7 @@
           <a:bodyPr/>
           <a:lstStyle/>
           <a:p>
-            <a:fld id="{A72AAF77-8BC3-49D1-862E-3391222F8638}" type="slidenum">
+            <a:fld id="{CF98B955-A9B9-485C-B654-B0411A7685A2}" type="slidenum">
               <a:rPr lang="en-US" smtClean="0"/>
               <a:t>5</a:t>
             </a:fld>
@@ -7299,7 +7354,7 @@
     </p:spTree>
     <p:extLst>
       <p:ext uri="{BB962C8B-B14F-4D97-AF65-F5344CB8AC3E}">
-        <p14:creationId xmlns:p14="http://schemas.microsoft.com/office/powerpoint/2010/main" val="1169407685"/>
+        <p14:creationId xmlns:p14="http://schemas.microsoft.com/office/powerpoint/2010/main" val="974914693"/>
       </p:ext>
     </p:extLst>
   </p:cSld>
